--- a/Unit 3 Kinematics/Day03 Motion 1D/1D Motion Problems.pptx
+++ b/Unit 3 Kinematics/Day03 Motion 1D/1D Motion Problems.pptx
@@ -5,29 +5,30 @@
     <p:sldMasterId id="2147483648" r:id="rId1"/>
   </p:sldMasterIdLst>
   <p:notesMasterIdLst>
-    <p:notesMasterId r:id="rId16"/>
+    <p:notesMasterId r:id="rId17"/>
   </p:notesMasterIdLst>
   <p:handoutMasterIdLst>
-    <p:handoutMasterId r:id="rId17"/>
+    <p:handoutMasterId r:id="rId18"/>
   </p:handoutMasterIdLst>
   <p:sldIdLst>
     <p:sldId id="257" r:id="rId2"/>
     <p:sldId id="258" r:id="rId3"/>
     <p:sldId id="269" r:id="rId4"/>
-    <p:sldId id="259" r:id="rId5"/>
-    <p:sldId id="260" r:id="rId6"/>
-    <p:sldId id="261" r:id="rId7"/>
-    <p:sldId id="262" r:id="rId8"/>
-    <p:sldId id="270" r:id="rId9"/>
-    <p:sldId id="263" r:id="rId10"/>
-    <p:sldId id="264" r:id="rId11"/>
-    <p:sldId id="265" r:id="rId12"/>
-    <p:sldId id="266" r:id="rId13"/>
-    <p:sldId id="267" r:id="rId14"/>
-    <p:sldId id="268" r:id="rId15"/>
+    <p:sldId id="270" r:id="rId5"/>
+    <p:sldId id="259" r:id="rId6"/>
+    <p:sldId id="271" r:id="rId7"/>
+    <p:sldId id="267" r:id="rId8"/>
+    <p:sldId id="260" r:id="rId9"/>
+    <p:sldId id="261" r:id="rId10"/>
+    <p:sldId id="262" r:id="rId11"/>
+    <p:sldId id="264" r:id="rId12"/>
+    <p:sldId id="265" r:id="rId13"/>
+    <p:sldId id="266" r:id="rId14"/>
+    <p:sldId id="272" r:id="rId15"/>
+    <p:sldId id="268" r:id="rId16"/>
   </p:sldIdLst>
   <p:sldSz cx="9144000" cy="6858000" type="screen4x3"/>
-  <p:notesSz cx="7023100" cy="9309100"/>
+  <p:notesSz cx="7010400" cy="9296400"/>
   <p:defaultTextStyle>
     <a:defPPr>
       <a:defRPr lang="en-US"/>
@@ -176,15 +177,15 @@
         </p:nvSpPr>
         <p:spPr>
           <a:xfrm>
-            <a:off x="0" y="0"/>
-            <a:ext cx="3043238" cy="466725"/>
+            <a:off x="0" y="1"/>
+            <a:ext cx="3037735" cy="466088"/>
           </a:xfrm>
           <a:prstGeom prst="rect">
             <a:avLst/>
           </a:prstGeom>
         </p:spPr>
         <p:txBody>
-          <a:bodyPr vert="horz" lIns="91440" tIns="45720" rIns="91440" bIns="45720" rtlCol="0"/>
+          <a:bodyPr vert="horz" lIns="91294" tIns="45647" rIns="91294" bIns="45647" rtlCol="0"/>
           <a:lstStyle>
             <a:lvl1pPr algn="l">
               <a:defRPr sz="1200"/>
@@ -207,15 +208,15 @@
         </p:nvSpPr>
         <p:spPr>
           <a:xfrm>
-            <a:off x="3978275" y="0"/>
-            <a:ext cx="3043238" cy="466725"/>
+            <a:off x="3971081" y="1"/>
+            <a:ext cx="3037735" cy="466088"/>
           </a:xfrm>
           <a:prstGeom prst="rect">
             <a:avLst/>
           </a:prstGeom>
         </p:spPr>
         <p:txBody>
-          <a:bodyPr vert="horz" lIns="91440" tIns="45720" rIns="91440" bIns="45720" rtlCol="0"/>
+          <a:bodyPr vert="horz" lIns="91294" tIns="45647" rIns="91294" bIns="45647" rtlCol="0"/>
           <a:lstStyle>
             <a:lvl1pPr algn="r">
               <a:defRPr sz="1200"/>
@@ -225,7 +226,7 @@
             <a:fld id="{D47F7278-65D7-4D33-AA49-C08BB3975779}" type="datetimeFigureOut">
               <a:rPr lang="en-US" smtClean="0"/>
               <a:pPr/>
-              <a:t>4/3/2019</a:t>
+              <a:t>10/18/2019</a:t>
             </a:fld>
             <a:endParaRPr lang="en-US"/>
           </a:p>
@@ -243,15 +244,15 @@
         </p:nvSpPr>
         <p:spPr>
           <a:xfrm>
-            <a:off x="0" y="8842375"/>
-            <a:ext cx="3043238" cy="466725"/>
+            <a:off x="0" y="8830312"/>
+            <a:ext cx="3037735" cy="466088"/>
           </a:xfrm>
           <a:prstGeom prst="rect">
             <a:avLst/>
           </a:prstGeom>
         </p:spPr>
         <p:txBody>
-          <a:bodyPr vert="horz" lIns="91440" tIns="45720" rIns="91440" bIns="45720" rtlCol="0" anchor="b"/>
+          <a:bodyPr vert="horz" lIns="91294" tIns="45647" rIns="91294" bIns="45647" rtlCol="0" anchor="b"/>
           <a:lstStyle>
             <a:lvl1pPr algn="l">
               <a:defRPr sz="1200"/>
@@ -274,15 +275,15 @@
         </p:nvSpPr>
         <p:spPr>
           <a:xfrm>
-            <a:off x="3978275" y="8842375"/>
-            <a:ext cx="3043238" cy="466725"/>
+            <a:off x="3971081" y="8830312"/>
+            <a:ext cx="3037735" cy="466088"/>
           </a:xfrm>
           <a:prstGeom prst="rect">
             <a:avLst/>
           </a:prstGeom>
         </p:spPr>
         <p:txBody>
-          <a:bodyPr vert="horz" lIns="91440" tIns="45720" rIns="91440" bIns="45720" rtlCol="0" anchor="b"/>
+          <a:bodyPr vert="horz" lIns="91294" tIns="45647" rIns="91294" bIns="45647" rtlCol="0" anchor="b"/>
           <a:lstStyle>
             <a:lvl1pPr algn="r">
               <a:defRPr sz="1200"/>
@@ -343,15 +344,15 @@
         </p:nvSpPr>
         <p:spPr>
           <a:xfrm>
-            <a:off x="1" y="0"/>
-            <a:ext cx="3043015" cy="466107"/>
+            <a:off x="2" y="1"/>
+            <a:ext cx="3037512" cy="465471"/>
           </a:xfrm>
           <a:prstGeom prst="rect">
             <a:avLst/>
           </a:prstGeom>
         </p:spPr>
         <p:txBody>
-          <a:bodyPr vert="horz" lIns="94220" tIns="47110" rIns="94220" bIns="47110" rtlCol="0"/>
+          <a:bodyPr vert="horz" lIns="94069" tIns="47035" rIns="94069" bIns="47035" rtlCol="0"/>
           <a:lstStyle>
             <a:lvl1pPr algn="l">
               <a:defRPr sz="1200"/>
@@ -374,15 +375,15 @@
         </p:nvSpPr>
         <p:spPr>
           <a:xfrm>
-            <a:off x="3978442" y="0"/>
-            <a:ext cx="3043015" cy="466107"/>
+            <a:off x="3971248" y="1"/>
+            <a:ext cx="3037512" cy="465471"/>
           </a:xfrm>
           <a:prstGeom prst="rect">
             <a:avLst/>
           </a:prstGeom>
         </p:spPr>
         <p:txBody>
-          <a:bodyPr vert="horz" lIns="94220" tIns="47110" rIns="94220" bIns="47110" rtlCol="0"/>
+          <a:bodyPr vert="horz" lIns="94069" tIns="47035" rIns="94069" bIns="47035" rtlCol="0"/>
           <a:lstStyle>
             <a:lvl1pPr algn="r">
               <a:defRPr sz="1200"/>
@@ -392,7 +393,7 @@
             <a:fld id="{F7D99C28-41BD-4202-BA6F-9AF87C325F9C}" type="datetimeFigureOut">
               <a:rPr lang="en-US" smtClean="0"/>
               <a:pPr/>
-              <a:t>4/3/2019</a:t>
+              <a:t>10/18/2019</a:t>
             </a:fld>
             <a:endParaRPr lang="en-US"/>
           </a:p>
@@ -410,8 +411,8 @@
         </p:nvSpPr>
         <p:spPr>
           <a:xfrm>
-            <a:off x="1184275" y="696913"/>
-            <a:ext cx="4654550" cy="3490912"/>
+            <a:off x="1181100" y="695325"/>
+            <a:ext cx="4648200" cy="3486150"/>
           </a:xfrm>
           <a:prstGeom prst="rect">
             <a:avLst/>
@@ -424,7 +425,7 @@
           </a:ln>
         </p:spPr>
         <p:txBody>
-          <a:bodyPr vert="horz" lIns="94220" tIns="47110" rIns="94220" bIns="47110" rtlCol="0" anchor="ctr"/>
+          <a:bodyPr vert="horz" lIns="94069" tIns="47035" rIns="94069" bIns="47035" rtlCol="0" anchor="ctr"/>
           <a:lstStyle/>
           <a:p>
             <a:endParaRPr lang="en-US"/>
@@ -443,15 +444,15 @@
         </p:nvSpPr>
         <p:spPr>
           <a:xfrm>
-            <a:off x="701982" y="4421497"/>
-            <a:ext cx="5619138" cy="4190072"/>
+            <a:off x="700712" y="4415465"/>
+            <a:ext cx="5608977" cy="4184356"/>
           </a:xfrm>
           <a:prstGeom prst="rect">
             <a:avLst/>
           </a:prstGeom>
         </p:spPr>
         <p:txBody>
-          <a:bodyPr vert="horz" lIns="94220" tIns="47110" rIns="94220" bIns="47110" rtlCol="0">
+          <a:bodyPr vert="horz" lIns="94069" tIns="47035" rIns="94069" bIns="47035" rtlCol="0">
             <a:normAutofit/>
           </a:bodyPr>
           <a:lstStyle/>
@@ -505,15 +506,15 @@
         </p:nvSpPr>
         <p:spPr>
           <a:xfrm>
-            <a:off x="1" y="8841364"/>
-            <a:ext cx="3043015" cy="466107"/>
+            <a:off x="2" y="8829303"/>
+            <a:ext cx="3037512" cy="465471"/>
           </a:xfrm>
           <a:prstGeom prst="rect">
             <a:avLst/>
           </a:prstGeom>
         </p:spPr>
         <p:txBody>
-          <a:bodyPr vert="horz" lIns="94220" tIns="47110" rIns="94220" bIns="47110" rtlCol="0" anchor="b"/>
+          <a:bodyPr vert="horz" lIns="94069" tIns="47035" rIns="94069" bIns="47035" rtlCol="0" anchor="b"/>
           <a:lstStyle>
             <a:lvl1pPr algn="l">
               <a:defRPr sz="1200"/>
@@ -536,15 +537,15 @@
         </p:nvSpPr>
         <p:spPr>
           <a:xfrm>
-            <a:off x="3978442" y="8841364"/>
-            <a:ext cx="3043015" cy="466107"/>
+            <a:off x="3971248" y="8829303"/>
+            <a:ext cx="3037512" cy="465471"/>
           </a:xfrm>
           <a:prstGeom prst="rect">
             <a:avLst/>
           </a:prstGeom>
         </p:spPr>
         <p:txBody>
-          <a:bodyPr vert="horz" lIns="94220" tIns="47110" rIns="94220" bIns="47110" rtlCol="0" anchor="b"/>
+          <a:bodyPr vert="horz" lIns="94069" tIns="47035" rIns="94069" bIns="47035" rtlCol="0" anchor="b"/>
           <a:lstStyle>
             <a:lvl1pPr algn="r">
               <a:defRPr sz="1200"/>
@@ -845,7 +846,7 @@
             <a:fld id="{1D8BD707-D9CF-40AE-B4C6-C98DA3205C09}" type="datetimeFigureOut">
               <a:rPr lang="en-US" smtClean="0"/>
               <a:pPr/>
-              <a:t>4/3/2019</a:t>
+              <a:t>10/18/2019</a:t>
             </a:fld>
             <a:endParaRPr lang="en-US"/>
           </a:p>
@@ -1012,7 +1013,7 @@
             <a:fld id="{1D8BD707-D9CF-40AE-B4C6-C98DA3205C09}" type="datetimeFigureOut">
               <a:rPr lang="en-US" smtClean="0"/>
               <a:pPr/>
-              <a:t>4/3/2019</a:t>
+              <a:t>10/18/2019</a:t>
             </a:fld>
             <a:endParaRPr lang="en-US"/>
           </a:p>
@@ -1189,7 +1190,7 @@
             <a:fld id="{1D8BD707-D9CF-40AE-B4C6-C98DA3205C09}" type="datetimeFigureOut">
               <a:rPr lang="en-US" smtClean="0"/>
               <a:pPr/>
-              <a:t>4/3/2019</a:t>
+              <a:t>10/18/2019</a:t>
             </a:fld>
             <a:endParaRPr lang="en-US"/>
           </a:p>
@@ -1356,7 +1357,7 @@
             <a:fld id="{1D8BD707-D9CF-40AE-B4C6-C98DA3205C09}" type="datetimeFigureOut">
               <a:rPr lang="en-US" smtClean="0"/>
               <a:pPr/>
-              <a:t>4/3/2019</a:t>
+              <a:t>10/18/2019</a:t>
             </a:fld>
             <a:endParaRPr lang="en-US"/>
           </a:p>
@@ -1599,7 +1600,7 @@
             <a:fld id="{1D8BD707-D9CF-40AE-B4C6-C98DA3205C09}" type="datetimeFigureOut">
               <a:rPr lang="en-US" smtClean="0"/>
               <a:pPr/>
-              <a:t>4/3/2019</a:t>
+              <a:t>10/18/2019</a:t>
             </a:fld>
             <a:endParaRPr lang="en-US"/>
           </a:p>
@@ -1884,7 +1885,7 @@
             <a:fld id="{1D8BD707-D9CF-40AE-B4C6-C98DA3205C09}" type="datetimeFigureOut">
               <a:rPr lang="en-US" smtClean="0"/>
               <a:pPr/>
-              <a:t>4/3/2019</a:t>
+              <a:t>10/18/2019</a:t>
             </a:fld>
             <a:endParaRPr lang="en-US"/>
           </a:p>
@@ -2303,7 +2304,7 @@
             <a:fld id="{1D8BD707-D9CF-40AE-B4C6-C98DA3205C09}" type="datetimeFigureOut">
               <a:rPr lang="en-US" smtClean="0"/>
               <a:pPr/>
-              <a:t>4/3/2019</a:t>
+              <a:t>10/18/2019</a:t>
             </a:fld>
             <a:endParaRPr lang="en-US"/>
           </a:p>
@@ -2418,7 +2419,7 @@
             <a:fld id="{1D8BD707-D9CF-40AE-B4C6-C98DA3205C09}" type="datetimeFigureOut">
               <a:rPr lang="en-US" smtClean="0"/>
               <a:pPr/>
-              <a:t>4/3/2019</a:t>
+              <a:t>10/18/2019</a:t>
             </a:fld>
             <a:endParaRPr lang="en-US"/>
           </a:p>
@@ -2510,7 +2511,7 @@
             <a:fld id="{1D8BD707-D9CF-40AE-B4C6-C98DA3205C09}" type="datetimeFigureOut">
               <a:rPr lang="en-US" smtClean="0"/>
               <a:pPr/>
-              <a:t>4/3/2019</a:t>
+              <a:t>10/18/2019</a:t>
             </a:fld>
             <a:endParaRPr lang="en-US"/>
           </a:p>
@@ -2784,7 +2785,7 @@
             <a:fld id="{1D8BD707-D9CF-40AE-B4C6-C98DA3205C09}" type="datetimeFigureOut">
               <a:rPr lang="en-US" smtClean="0"/>
               <a:pPr/>
-              <a:t>4/3/2019</a:t>
+              <a:t>10/18/2019</a:t>
             </a:fld>
             <a:endParaRPr lang="en-US"/>
           </a:p>
@@ -3034,7 +3035,7 @@
             <a:fld id="{1D8BD707-D9CF-40AE-B4C6-C98DA3205C09}" type="datetimeFigureOut">
               <a:rPr lang="en-US" smtClean="0"/>
               <a:pPr/>
-              <a:t>4/3/2019</a:t>
+              <a:t>10/18/2019</a:t>
             </a:fld>
             <a:endParaRPr lang="en-US"/>
           </a:p>
@@ -3244,7 +3245,7 @@
             <a:fld id="{1D8BD707-D9CF-40AE-B4C6-C98DA3205C09}" type="datetimeFigureOut">
               <a:rPr lang="en-US" smtClean="0"/>
               <a:pPr/>
-              <a:t>4/3/2019</a:t>
+              <a:t>10/18/2019</a:t>
             </a:fld>
             <a:endParaRPr lang="en-US"/>
           </a:p>
@@ -4732,58 +4733,59 @@
         </p:nvSpPr>
         <p:spPr/>
         <p:txBody>
-          <a:bodyPr/>
-          <a:lstStyle/>
-          <a:p>
-            <a:r>
-              <a:rPr lang="en-CA" dirty="0"/>
-              <a:t>Sum of </a:t>
-            </a:r>
-            <a:r>
-              <a:rPr lang="en-CA" dirty="0" smtClean="0"/>
-              <a:t>Displacements (Ex #2)</a:t>
-            </a:r>
-            <a:endParaRPr lang="en-US" dirty="0"/>
-          </a:p>
-        </p:txBody>
-      </p:sp>
-      <p:sp>
-        <p:nvSpPr>
-          <p:cNvPr id="3" name="Content Placeholder 2"/>
-          <p:cNvSpPr>
-            <a:spLocks noGrp="1"/>
-          </p:cNvSpPr>
-          <p:nvPr>
-            <p:ph idx="1"/>
-          </p:nvPr>
-        </p:nvSpPr>
-        <p:spPr/>
-        <p:txBody>
           <a:bodyPr>
-            <a:normAutofit lnSpcReduction="10000"/>
+            <a:normAutofit fontScale="90000"/>
           </a:bodyPr>
           <a:lstStyle/>
           <a:p>
+            <a:r>
+              <a:rPr lang="en-CA" dirty="0"/>
+              <a:t>Change of Position or</a:t>
+            </a:r>
+            <a:br>
+              <a:rPr lang="en-CA" dirty="0"/>
+            </a:br>
+            <a:r>
+              <a:rPr lang="en-CA" dirty="0"/>
+              <a:t>Sum of Displacements </a:t>
+            </a:r>
+            <a:endParaRPr lang="en-US" dirty="0"/>
+          </a:p>
+        </p:txBody>
+      </p:sp>
+      <p:sp>
+        <p:nvSpPr>
+          <p:cNvPr id="3" name="Content Placeholder 2"/>
+          <p:cNvSpPr>
+            <a:spLocks noGrp="1"/>
+          </p:cNvSpPr>
+          <p:nvPr>
+            <p:ph idx="1"/>
+          </p:nvPr>
+        </p:nvSpPr>
+        <p:spPr/>
+        <p:txBody>
+          <a:bodyPr>
+            <a:normAutofit fontScale="92500" lnSpcReduction="10000"/>
+          </a:bodyPr>
+          <a:lstStyle/>
+          <a:p>
             <a:pPr marL="514350" indent="-514350">
               <a:buFont typeface="+mj-lt"/>
-              <a:buAutoNum type="arabicPeriod" startAt="2"/>
+              <a:buAutoNum type="arabicPeriod" startAt="4"/>
             </a:pPr>
             <a:r>
-              <a:rPr lang="en-CA" sz="2800" dirty="0"/>
-              <a:t>Starting at the origin a student </a:t>
-            </a:r>
-            <a:r>
               <a:rPr lang="en-CA" sz="2800" dirty="0" smtClean="0"/>
-              <a:t>first moves a distance of 30 m [West], then moves a distance of 10 m [West], and finally moves a distance of </a:t>
-            </a:r>
-            <a:br>
-              <a:rPr lang="en-CA" sz="2800" dirty="0" smtClean="0"/>
-            </a:br>
-            <a:r>
-              <a:rPr lang="en-CA" sz="2800" dirty="0" smtClean="0"/>
-              <a:t>30 m [East]. The student completes this motion in a time of 4 seconds.</a:t>
+              <a:t>A student starts at a position of 30 m [East] and finishes at a position of 10 m [West]. The student completes this motion in a time of 5 seconds.</a:t>
             </a:r>
             <a:endParaRPr lang="en-US" sz="2800" dirty="0" smtClean="0"/>
+          </a:p>
+          <a:p>
+            <a:pPr marL="1314450" lvl="2" indent="-514350">
+              <a:buFont typeface="+mj-lt"/>
+              <a:buAutoNum type="alphaLcParenR"/>
+            </a:pPr>
+            <a:endParaRPr lang="en-US" sz="2000" dirty="0"/>
           </a:p>
           <a:p>
             <a:pPr marL="914400" lvl="1" indent="-514350">
@@ -4791,9 +4793,27 @@
               <a:buAutoNum type="alphaLcParenR"/>
             </a:pPr>
             <a:r>
-              <a:rPr lang="en-CA" sz="2400" dirty="0" smtClean="0"/>
-              <a:t>Draw a diagram showing the student’s starting position, ending position, and displacement.</a:t>
-            </a:r>
+              <a:rPr lang="en-CA" sz="2400" dirty="0"/>
+              <a:t>Determine if this problem should be solved by:</a:t>
+            </a:r>
+          </a:p>
+          <a:p>
+            <a:pPr marL="1314450" lvl="2" indent="-514350"/>
+            <a:r>
+              <a:rPr lang="en-CA" sz="2000" dirty="0"/>
+              <a:t>Change of Position Method</a:t>
+            </a:r>
+          </a:p>
+          <a:p>
+            <a:pPr marL="1314450" lvl="2" indent="-514350"/>
+            <a:r>
+              <a:rPr lang="en-CA" sz="2000" dirty="0"/>
+              <a:t>Sum of Displacements Method</a:t>
+            </a:r>
+            <a:br>
+              <a:rPr lang="en-CA" sz="2000" dirty="0"/>
+            </a:br>
+            <a:endParaRPr lang="en-CA" sz="2000" dirty="0"/>
           </a:p>
           <a:p>
             <a:pPr marL="914400" lvl="1" indent="-514350">
@@ -4801,7 +4821,7 @@
               <a:buAutoNum type="alphaLcParenR"/>
             </a:pPr>
             <a:r>
-              <a:rPr lang="en-CA" sz="2400" dirty="0" smtClean="0"/>
+              <a:rPr lang="en-CA" sz="2400" dirty="0"/>
               <a:t>Determine the distance moved</a:t>
             </a:r>
           </a:p>
@@ -4811,7 +4831,7 @@
               <a:buAutoNum type="alphaLcParenR"/>
             </a:pPr>
             <a:r>
-              <a:rPr lang="en-CA" sz="2400" dirty="0" smtClean="0"/>
+              <a:rPr lang="en-CA" sz="2400" dirty="0"/>
               <a:t>Determine the student’s displacement</a:t>
             </a:r>
           </a:p>
@@ -4821,7 +4841,7 @@
               <a:buAutoNum type="alphaLcParenR"/>
             </a:pPr>
             <a:r>
-              <a:rPr lang="en-CA" sz="2400" dirty="0" smtClean="0"/>
+              <a:rPr lang="en-CA" sz="2400" dirty="0"/>
               <a:t>Determine the average speed of the student</a:t>
             </a:r>
           </a:p>
@@ -4832,31 +4852,8 @@
             </a:pPr>
             <a:r>
               <a:rPr lang="en-CA" sz="2400" dirty="0"/>
-              <a:t>Determine the </a:t>
-            </a:r>
-            <a:r>
-              <a:rPr lang="en-CA" sz="2400" dirty="0" smtClean="0"/>
-              <a:t>velocity of </a:t>
-            </a:r>
-            <a:r>
-              <a:rPr lang="en-CA" sz="2400" dirty="0"/>
-              <a:t>the </a:t>
-            </a:r>
-            <a:r>
-              <a:rPr lang="en-CA" sz="2400" dirty="0" smtClean="0"/>
-              <a:t>student</a:t>
-            </a:r>
-          </a:p>
-          <a:p>
-            <a:pPr marL="400050" lvl="1" indent="0">
-              <a:buNone/>
-            </a:pPr>
-            <a:endParaRPr lang="en-CA" sz="2400" dirty="0"/>
-          </a:p>
-          <a:p>
-            <a:pPr marL="400050" lvl="1" indent="0">
-              <a:buNone/>
-            </a:pPr>
+              <a:t>Determine the velocity of the student</a:t>
+            </a:r>
             <a:endParaRPr lang="en-CA" sz="2400" dirty="0" smtClean="0"/>
           </a:p>
         </p:txBody>
@@ -4864,7 +4861,7 @@
     </p:spTree>
     <p:extLst>
       <p:ext uri="{BB962C8B-B14F-4D97-AF65-F5344CB8AC3E}">
-        <p14:creationId xmlns:p14="http://schemas.microsoft.com/office/powerpoint/2010/main" val="2687657357"/>
+        <p14:creationId xmlns:p14="http://schemas.microsoft.com/office/powerpoint/2010/main" val="1329447007"/>
       </p:ext>
     </p:extLst>
   </p:cSld>
@@ -4903,47 +4900,70 @@
         </p:nvSpPr>
         <p:spPr/>
         <p:txBody>
-          <a:bodyPr/>
-          <a:lstStyle/>
-          <a:p>
-            <a:r>
-              <a:rPr lang="en-CA" dirty="0"/>
-              <a:t>Sum of </a:t>
-            </a:r>
-            <a:r>
-              <a:rPr lang="en-CA" dirty="0" smtClean="0"/>
-              <a:t>Displacements (Ex #3)</a:t>
-            </a:r>
-            <a:endParaRPr lang="en-US" dirty="0"/>
-          </a:p>
-        </p:txBody>
-      </p:sp>
-      <p:sp>
-        <p:nvSpPr>
-          <p:cNvPr id="3" name="Content Placeholder 2"/>
-          <p:cNvSpPr>
-            <a:spLocks noGrp="1"/>
-          </p:cNvSpPr>
-          <p:nvPr>
-            <p:ph idx="1"/>
-          </p:nvPr>
-        </p:nvSpPr>
-        <p:spPr/>
-        <p:txBody>
           <a:bodyPr>
-            <a:normAutofit lnSpcReduction="10000"/>
+            <a:normAutofit fontScale="90000"/>
           </a:bodyPr>
           <a:lstStyle/>
           <a:p>
+            <a:r>
+              <a:rPr lang="en-CA" dirty="0"/>
+              <a:t>Change of Position or</a:t>
+            </a:r>
+            <a:br>
+              <a:rPr lang="en-CA" dirty="0"/>
+            </a:br>
+            <a:r>
+              <a:rPr lang="en-CA" dirty="0"/>
+              <a:t>Sum of Displacements </a:t>
+            </a:r>
+            <a:endParaRPr lang="en-US" dirty="0"/>
+          </a:p>
+        </p:txBody>
+      </p:sp>
+      <p:sp>
+        <p:nvSpPr>
+          <p:cNvPr id="3" name="Content Placeholder 2"/>
+          <p:cNvSpPr>
+            <a:spLocks noGrp="1"/>
+          </p:cNvSpPr>
+          <p:nvPr>
+            <p:ph idx="1"/>
+          </p:nvPr>
+        </p:nvSpPr>
+        <p:spPr/>
+        <p:txBody>
+          <a:bodyPr>
+            <a:normAutofit fontScale="92500" lnSpcReduction="20000"/>
+          </a:bodyPr>
+          <a:lstStyle/>
+          <a:p>
             <a:pPr marL="514350" indent="-514350">
               <a:buFont typeface="+mj-lt"/>
-              <a:buAutoNum type="arabicPeriod" startAt="3"/>
+              <a:buAutoNum type="arabicPeriod" startAt="6"/>
             </a:pPr>
             <a:r>
+              <a:rPr lang="en-CA" sz="2800" dirty="0"/>
+              <a:t>Starting at the origin a student </a:t>
+            </a:r>
+            <a:r>
               <a:rPr lang="en-CA" sz="2800" dirty="0" smtClean="0"/>
-              <a:t>Starting at the origin a student first moves a distance of 10 m [West] then moves a distance of 30 m [West], and finally moves a distance of 50 m [East]. The student completes this motion in a time of 5 seconds.</a:t>
+              <a:t>first moves a distance of 30 m [West], then moves a distance of 10 m [West], and finally moves a distance of </a:t>
+            </a:r>
+            <a:br>
+              <a:rPr lang="en-CA" sz="2800" dirty="0" smtClean="0"/>
+            </a:br>
+            <a:r>
+              <a:rPr lang="en-CA" sz="2800" dirty="0" smtClean="0"/>
+              <a:t>30 m [East]. The student completes this motion in a time of 4 seconds.</a:t>
             </a:r>
             <a:endParaRPr lang="en-US" sz="2800" dirty="0" smtClean="0"/>
+          </a:p>
+          <a:p>
+            <a:pPr marL="1314450" lvl="2" indent="-514350">
+              <a:buFont typeface="+mj-lt"/>
+              <a:buAutoNum type="alphaLcParenR"/>
+            </a:pPr>
+            <a:endParaRPr lang="en-US" sz="2000" dirty="0"/>
           </a:p>
           <a:p>
             <a:pPr marL="914400" lvl="1" indent="-514350">
@@ -4951,9 +4971,27 @@
               <a:buAutoNum type="alphaLcParenR"/>
             </a:pPr>
             <a:r>
-              <a:rPr lang="en-CA" sz="2400" dirty="0" smtClean="0"/>
-              <a:t>Draw a diagram showing the student’s starting position, ending position, and displacement.</a:t>
-            </a:r>
+              <a:rPr lang="en-CA" sz="2400" dirty="0"/>
+              <a:t>Determine if this problem should be solved by:</a:t>
+            </a:r>
+          </a:p>
+          <a:p>
+            <a:pPr marL="1314450" lvl="2" indent="-514350"/>
+            <a:r>
+              <a:rPr lang="en-CA" sz="2000" dirty="0"/>
+              <a:t>Change of Position Method</a:t>
+            </a:r>
+          </a:p>
+          <a:p>
+            <a:pPr marL="1314450" lvl="2" indent="-514350"/>
+            <a:r>
+              <a:rPr lang="en-CA" sz="2000" dirty="0"/>
+              <a:t>Sum of Displacements Method</a:t>
+            </a:r>
+            <a:br>
+              <a:rPr lang="en-CA" sz="2000" dirty="0"/>
+            </a:br>
+            <a:endParaRPr lang="en-CA" sz="2000" dirty="0"/>
           </a:p>
           <a:p>
             <a:pPr marL="914400" lvl="1" indent="-514350">
@@ -4961,7 +4999,7 @@
               <a:buAutoNum type="alphaLcParenR"/>
             </a:pPr>
             <a:r>
-              <a:rPr lang="en-CA" sz="2400" dirty="0" smtClean="0"/>
+              <a:rPr lang="en-CA" sz="2400" dirty="0"/>
               <a:t>Determine the distance moved</a:t>
             </a:r>
           </a:p>
@@ -4971,7 +5009,7 @@
               <a:buAutoNum type="alphaLcParenR"/>
             </a:pPr>
             <a:r>
-              <a:rPr lang="en-CA" sz="2400" dirty="0" smtClean="0"/>
+              <a:rPr lang="en-CA" sz="2400" dirty="0"/>
               <a:t>Determine the student’s displacement</a:t>
             </a:r>
           </a:p>
@@ -4981,7 +5019,7 @@
               <a:buAutoNum type="alphaLcParenR"/>
             </a:pPr>
             <a:r>
-              <a:rPr lang="en-CA" sz="2400" dirty="0" smtClean="0"/>
+              <a:rPr lang="en-CA" sz="2400" dirty="0"/>
               <a:t>Determine the average speed of the student</a:t>
             </a:r>
           </a:p>
@@ -4992,20 +5030,9 @@
             </a:pPr>
             <a:r>
               <a:rPr lang="en-CA" sz="2400" dirty="0"/>
-              <a:t>Determine the </a:t>
-            </a:r>
-            <a:r>
-              <a:rPr lang="en-CA" sz="2400" dirty="0" smtClean="0"/>
-              <a:t>velocity of </a:t>
-            </a:r>
-            <a:r>
-              <a:rPr lang="en-CA" sz="2400" dirty="0"/>
-              <a:t>the </a:t>
-            </a:r>
-            <a:r>
-              <a:rPr lang="en-CA" sz="2400" dirty="0" smtClean="0"/>
-              <a:t>student</a:t>
-            </a:r>
+              <a:t>Determine the velocity of the student</a:t>
+            </a:r>
+            <a:endParaRPr lang="en-CA" sz="2400" dirty="0"/>
           </a:p>
           <a:p>
             <a:pPr marL="400050" lvl="1" indent="0">
@@ -5018,7 +5045,7 @@
     </p:spTree>
     <p:extLst>
       <p:ext uri="{BB962C8B-B14F-4D97-AF65-F5344CB8AC3E}">
-        <p14:creationId xmlns:p14="http://schemas.microsoft.com/office/powerpoint/2010/main" val="3619015778"/>
+        <p14:creationId xmlns:p14="http://schemas.microsoft.com/office/powerpoint/2010/main" val="2687657357"/>
       </p:ext>
     </p:extLst>
   </p:cSld>
@@ -5057,47 +5084,59 @@
         </p:nvSpPr>
         <p:spPr/>
         <p:txBody>
-          <a:bodyPr/>
-          <a:lstStyle/>
-          <a:p>
-            <a:r>
-              <a:rPr lang="en-CA" dirty="0"/>
-              <a:t>Sum of </a:t>
-            </a:r>
-            <a:r>
-              <a:rPr lang="en-CA" dirty="0" smtClean="0"/>
-              <a:t>Displacements (Ex #4)</a:t>
-            </a:r>
-            <a:endParaRPr lang="en-US" dirty="0"/>
-          </a:p>
-        </p:txBody>
-      </p:sp>
-      <p:sp>
-        <p:nvSpPr>
-          <p:cNvPr id="3" name="Content Placeholder 2"/>
-          <p:cNvSpPr>
-            <a:spLocks noGrp="1"/>
-          </p:cNvSpPr>
-          <p:nvPr>
-            <p:ph idx="1"/>
-          </p:nvPr>
-        </p:nvSpPr>
-        <p:spPr/>
-        <p:txBody>
           <a:bodyPr>
-            <a:normAutofit lnSpcReduction="10000"/>
+            <a:normAutofit fontScale="90000"/>
           </a:bodyPr>
           <a:lstStyle/>
           <a:p>
+            <a:r>
+              <a:rPr lang="en-CA" dirty="0"/>
+              <a:t>Change of Position or</a:t>
+            </a:r>
+            <a:br>
+              <a:rPr lang="en-CA" dirty="0"/>
+            </a:br>
+            <a:r>
+              <a:rPr lang="en-CA" dirty="0"/>
+              <a:t>Sum of Displacements </a:t>
+            </a:r>
+            <a:endParaRPr lang="en-US" dirty="0"/>
+          </a:p>
+        </p:txBody>
+      </p:sp>
+      <p:sp>
+        <p:nvSpPr>
+          <p:cNvPr id="3" name="Content Placeholder 2"/>
+          <p:cNvSpPr>
+            <a:spLocks noGrp="1"/>
+          </p:cNvSpPr>
+          <p:nvPr>
+            <p:ph idx="1"/>
+          </p:nvPr>
+        </p:nvSpPr>
+        <p:spPr/>
+        <p:txBody>
+          <a:bodyPr>
+            <a:normAutofit fontScale="92500" lnSpcReduction="20000"/>
+          </a:bodyPr>
+          <a:lstStyle/>
+          <a:p>
             <a:pPr marL="514350" indent="-514350">
               <a:buFont typeface="+mj-lt"/>
-              <a:buAutoNum type="arabicPeriod" startAt="4"/>
+              <a:buAutoNum type="arabicPeriod" startAt="7"/>
             </a:pPr>
             <a:r>
               <a:rPr lang="en-CA" sz="2800" dirty="0" smtClean="0"/>
-              <a:t>Starting at the origin a student first moves a distance of 30 m [East], then moves a distance of 10 m [East], and finally moves a distance of 50 m [West]. The student completes this motion in a time of 5 seconds.</a:t>
+              <a:t>Starting at the origin a student first moves a distance of 10 m [West] then moves a distance of 30 m [West], and finally moves a distance of 50 m [East]. The student completes this motion in a time of 5 seconds.</a:t>
             </a:r>
             <a:endParaRPr lang="en-US" sz="2800" dirty="0" smtClean="0"/>
+          </a:p>
+          <a:p>
+            <a:pPr marL="1314450" lvl="2" indent="-514350">
+              <a:buFont typeface="+mj-lt"/>
+              <a:buAutoNum type="alphaLcParenR"/>
+            </a:pPr>
+            <a:endParaRPr lang="en-US" sz="2000" dirty="0"/>
           </a:p>
           <a:p>
             <a:pPr marL="914400" lvl="1" indent="-514350">
@@ -5105,9 +5144,27 @@
               <a:buAutoNum type="alphaLcParenR"/>
             </a:pPr>
             <a:r>
-              <a:rPr lang="en-CA" sz="2400" dirty="0" smtClean="0"/>
-              <a:t>Draw a diagram showing the student’s starting position, ending position, and displacement.</a:t>
-            </a:r>
+              <a:rPr lang="en-CA" sz="2400" dirty="0"/>
+              <a:t>Determine if this problem should be solved by:</a:t>
+            </a:r>
+          </a:p>
+          <a:p>
+            <a:pPr marL="1314450" lvl="2" indent="-514350"/>
+            <a:r>
+              <a:rPr lang="en-CA" sz="2000" dirty="0"/>
+              <a:t>Change of Position Method</a:t>
+            </a:r>
+          </a:p>
+          <a:p>
+            <a:pPr marL="1314450" lvl="2" indent="-514350"/>
+            <a:r>
+              <a:rPr lang="en-CA" sz="2000" dirty="0"/>
+              <a:t>Sum of Displacements Method</a:t>
+            </a:r>
+            <a:br>
+              <a:rPr lang="en-CA" sz="2000" dirty="0"/>
+            </a:br>
+            <a:endParaRPr lang="en-CA" sz="2000" dirty="0"/>
           </a:p>
           <a:p>
             <a:pPr marL="914400" lvl="1" indent="-514350">
@@ -5115,7 +5172,7 @@
               <a:buAutoNum type="alphaLcParenR"/>
             </a:pPr>
             <a:r>
-              <a:rPr lang="en-CA" sz="2400" dirty="0" smtClean="0"/>
+              <a:rPr lang="en-CA" sz="2400" dirty="0"/>
               <a:t>Determine the distance moved</a:t>
             </a:r>
           </a:p>
@@ -5125,7 +5182,7 @@
               <a:buAutoNum type="alphaLcParenR"/>
             </a:pPr>
             <a:r>
-              <a:rPr lang="en-CA" sz="2400" dirty="0" smtClean="0"/>
+              <a:rPr lang="en-CA" sz="2400" dirty="0"/>
               <a:t>Determine the student’s displacement</a:t>
             </a:r>
           </a:p>
@@ -5135,7 +5192,7 @@
               <a:buAutoNum type="alphaLcParenR"/>
             </a:pPr>
             <a:r>
-              <a:rPr lang="en-CA" sz="2400" dirty="0" smtClean="0"/>
+              <a:rPr lang="en-CA" sz="2400" dirty="0"/>
               <a:t>Determine the average speed of the student</a:t>
             </a:r>
           </a:p>
@@ -5146,25 +5203,8 @@
             </a:pPr>
             <a:r>
               <a:rPr lang="en-CA" sz="2400" dirty="0"/>
-              <a:t>Determine the </a:t>
-            </a:r>
-            <a:r>
-              <a:rPr lang="en-CA" sz="2400" dirty="0" smtClean="0"/>
-              <a:t>velocity of </a:t>
-            </a:r>
-            <a:r>
-              <a:rPr lang="en-CA" sz="2400" dirty="0"/>
-              <a:t>the </a:t>
-            </a:r>
-            <a:r>
-              <a:rPr lang="en-CA" sz="2400" dirty="0" smtClean="0"/>
-              <a:t>student</a:t>
-            </a:r>
-          </a:p>
-          <a:p>
-            <a:pPr marL="400050" lvl="1" indent="0">
-              <a:buNone/>
-            </a:pPr>
+              <a:t>Determine the velocity of the student</a:t>
+            </a:r>
             <a:endParaRPr lang="en-CA" sz="2400" dirty="0" smtClean="0"/>
           </a:p>
         </p:txBody>
@@ -5172,7 +5212,7 @@
     </p:spTree>
     <p:extLst>
       <p:ext uri="{BB962C8B-B14F-4D97-AF65-F5344CB8AC3E}">
-        <p14:creationId xmlns:p14="http://schemas.microsoft.com/office/powerpoint/2010/main" val="3465721832"/>
+        <p14:creationId xmlns:p14="http://schemas.microsoft.com/office/powerpoint/2010/main" val="3619015778"/>
       </p:ext>
     </p:extLst>
   </p:cSld>
@@ -5211,12 +5251,21 @@
         </p:nvSpPr>
         <p:spPr/>
         <p:txBody>
-          <a:bodyPr/>
+          <a:bodyPr>
+            <a:normAutofit fontScale="90000"/>
+          </a:bodyPr>
           <a:lstStyle/>
           <a:p>
             <a:r>
-              <a:rPr lang="en-CA" dirty="0" smtClean="0"/>
-              <a:t>Activity Instructions</a:t>
+              <a:rPr lang="en-CA" dirty="0"/>
+              <a:t>Change of Position or</a:t>
+            </a:r>
+            <a:br>
+              <a:rPr lang="en-CA" dirty="0"/>
+            </a:br>
+            <a:r>
+              <a:rPr lang="en-CA" dirty="0"/>
+              <a:t>Sum of Displacements </a:t>
             </a:r>
             <a:endParaRPr lang="en-US" dirty="0"/>
           </a:p>
@@ -5234,301 +5283,181 @@
         </p:nvSpPr>
         <p:spPr/>
         <p:txBody>
-          <a:bodyPr/>
+          <a:bodyPr>
+            <a:normAutofit fontScale="92500" lnSpcReduction="20000"/>
+          </a:bodyPr>
           <a:lstStyle/>
           <a:p>
             <a:pPr marL="514350" indent="-514350">
               <a:buFont typeface="+mj-lt"/>
-              <a:buAutoNum type="arabicPeriod"/>
+              <a:buAutoNum type="arabicPeriod" startAt="8"/>
             </a:pPr>
             <a:r>
-              <a:rPr lang="en-CA" dirty="0" smtClean="0"/>
-              <a:t>Working in groups</a:t>
-            </a:r>
-          </a:p>
-          <a:p>
-            <a:pPr marL="514350" indent="-514350">
+              <a:rPr lang="en-CA" sz="2800" dirty="0" smtClean="0"/>
+              <a:t>Starting at the origin a student first moves a distance of 30 m [East], then moves a distance of 10 m [East], and finally moves a distance of 50 m [West]. The student completes this motion in a time of 5 seconds.</a:t>
+            </a:r>
+            <a:endParaRPr lang="en-US" sz="2800" dirty="0" smtClean="0"/>
+          </a:p>
+          <a:p>
+            <a:pPr marL="1314450" lvl="2" indent="-514350">
               <a:buFont typeface="+mj-lt"/>
-              <a:buAutoNum type="arabicPeriod"/>
+              <a:buAutoNum type="alphaLcParenR"/>
             </a:pPr>
-            <a:r>
-              <a:rPr lang="en-CA" dirty="0" smtClean="0"/>
-              <a:t>Solve your assigned question with a full solution on the white board.</a:t>
-            </a:r>
-          </a:p>
-          <a:p>
-            <a:pPr marL="514350" indent="-514350">
+            <a:endParaRPr lang="en-US" sz="2000" dirty="0"/>
+          </a:p>
+          <a:p>
+            <a:pPr marL="914400" lvl="1" indent="-514350">
               <a:buFont typeface="+mj-lt"/>
-              <a:buAutoNum type="arabicPeriod"/>
+              <a:buAutoNum type="alphaLcParenR"/>
             </a:pPr>
             <a:r>
-              <a:rPr lang="en-CA" dirty="0" smtClean="0"/>
-              <a:t>Swap your question sheet and whiteboard answer with the group having the same example number.</a:t>
-            </a:r>
-          </a:p>
-          <a:p>
-            <a:pPr marL="514350" indent="-514350">
+              <a:rPr lang="en-CA" sz="2400" dirty="0"/>
+              <a:t>Determine if this problem should be solved by:</a:t>
+            </a:r>
+          </a:p>
+          <a:p>
+            <a:pPr marL="1314450" lvl="2" indent="-514350"/>
+            <a:r>
+              <a:rPr lang="en-CA" sz="2000" dirty="0"/>
+              <a:t>Change of Position Method</a:t>
+            </a:r>
+          </a:p>
+          <a:p>
+            <a:pPr marL="1314450" lvl="2" indent="-514350"/>
+            <a:r>
+              <a:rPr lang="en-CA" sz="2000" dirty="0"/>
+              <a:t>Sum of Displacements Method</a:t>
+            </a:r>
+            <a:br>
+              <a:rPr lang="en-CA" sz="2000" dirty="0"/>
+            </a:br>
+            <a:endParaRPr lang="en-CA" sz="2000" dirty="0"/>
+          </a:p>
+          <a:p>
+            <a:pPr marL="914400" lvl="1" indent="-514350">
               <a:buFont typeface="+mj-lt"/>
-              <a:buAutoNum type="arabicPeriod"/>
+              <a:buAutoNum type="alphaLcParenR"/>
             </a:pPr>
             <a:r>
-              <a:rPr lang="en-CA" dirty="0" smtClean="0"/>
-              <a:t>Check their answer. </a:t>
-            </a:r>
-          </a:p>
-          <a:p>
-            <a:pPr marL="514350" indent="-514350">
+              <a:rPr lang="en-CA" sz="2400" dirty="0"/>
+              <a:t>Determine the distance moved</a:t>
+            </a:r>
+          </a:p>
+          <a:p>
+            <a:pPr marL="914400" lvl="1" indent="-514350">
               <a:buFont typeface="+mj-lt"/>
-              <a:buAutoNum type="arabicPeriod"/>
+              <a:buAutoNum type="alphaLcParenR"/>
             </a:pPr>
             <a:r>
-              <a:rPr lang="en-CA" dirty="0" smtClean="0"/>
-              <a:t>Answer the consolidation questions.</a:t>
-            </a:r>
-            <a:endParaRPr lang="en-US" dirty="0"/>
+              <a:rPr lang="en-CA" sz="2400" dirty="0"/>
+              <a:t>Determine the student’s displacement</a:t>
+            </a:r>
+          </a:p>
+          <a:p>
+            <a:pPr marL="914400" lvl="1" indent="-514350">
+              <a:buFont typeface="+mj-lt"/>
+              <a:buAutoNum type="alphaLcParenR"/>
+            </a:pPr>
+            <a:r>
+              <a:rPr lang="en-CA" sz="2400" dirty="0"/>
+              <a:t>Determine the average speed of the student</a:t>
+            </a:r>
+          </a:p>
+          <a:p>
+            <a:pPr marL="914400" lvl="1" indent="-514350">
+              <a:buFont typeface="+mj-lt"/>
+              <a:buAutoNum type="alphaLcParenR"/>
+            </a:pPr>
+            <a:r>
+              <a:rPr lang="en-CA" sz="2400" dirty="0"/>
+              <a:t>Determine the velocity of the student</a:t>
+            </a:r>
+            <a:endParaRPr lang="en-CA" sz="2400" dirty="0" smtClean="0"/>
           </a:p>
         </p:txBody>
       </p:sp>
     </p:spTree>
     <p:extLst>
       <p:ext uri="{BB962C8B-B14F-4D97-AF65-F5344CB8AC3E}">
-        <p14:creationId xmlns:p14="http://schemas.microsoft.com/office/powerpoint/2010/main" val="3583240723"/>
+        <p14:creationId xmlns:p14="http://schemas.microsoft.com/office/powerpoint/2010/main" val="3465721832"/>
       </p:ext>
     </p:extLst>
   </p:cSld>
   <p:clrMapOvr>
     <a:masterClrMapping/>
   </p:clrMapOvr>
-  <p:timing>
-    <p:tnLst>
-      <p:par>
-        <p:cTn id="1" dur="indefinite" restart="never" nodeType="tmRoot">
-          <p:childTnLst>
-            <p:seq concurrent="1" nextAc="seek">
-              <p:cTn id="2" dur="indefinite" nodeType="mainSeq">
-                <p:childTnLst>
-                  <p:par>
-                    <p:cTn id="3" fill="hold">
-                      <p:stCondLst>
-                        <p:cond delay="indefinite"/>
-                      </p:stCondLst>
-                      <p:childTnLst>
-                        <p:par>
-                          <p:cTn id="4" fill="hold">
-                            <p:stCondLst>
-                              <p:cond delay="0"/>
-                            </p:stCondLst>
-                            <p:childTnLst>
-                              <p:par>
-                                <p:cTn id="5" presetID="1" presetClass="entr" presetSubtype="0" fill="hold" nodeType="clickEffect">
-                                  <p:stCondLst>
-                                    <p:cond delay="0"/>
-                                  </p:stCondLst>
-                                  <p:childTnLst>
-                                    <p:set>
-                                      <p:cBhvr>
-                                        <p:cTn id="6" dur="1" fill="hold">
-                                          <p:stCondLst>
-                                            <p:cond delay="0"/>
-                                          </p:stCondLst>
-                                        </p:cTn>
-                                        <p:tgtEl>
-                                          <p:spTgt spid="3">
-                                            <p:txEl>
-                                              <p:pRg st="1" end="1"/>
-                                            </p:txEl>
-                                          </p:spTgt>
-                                        </p:tgtEl>
-                                        <p:attrNameLst>
-                                          <p:attrName>style.visibility</p:attrName>
-                                        </p:attrNameLst>
-                                      </p:cBhvr>
-                                      <p:to>
-                                        <p:strVal val="visible"/>
-                                      </p:to>
-                                    </p:set>
-                                  </p:childTnLst>
-                                </p:cTn>
-                              </p:par>
-                            </p:childTnLst>
-                          </p:cTn>
-                        </p:par>
-                      </p:childTnLst>
-                    </p:cTn>
-                  </p:par>
-                  <p:par>
-                    <p:cTn id="7" fill="hold">
-                      <p:stCondLst>
-                        <p:cond delay="indefinite"/>
-                      </p:stCondLst>
-                      <p:childTnLst>
-                        <p:par>
-                          <p:cTn id="8" fill="hold">
-                            <p:stCondLst>
-                              <p:cond delay="0"/>
-                            </p:stCondLst>
-                            <p:childTnLst>
-                              <p:par>
-                                <p:cTn id="9" presetID="1" presetClass="entr" presetSubtype="0" fill="hold" nodeType="clickEffect">
-                                  <p:stCondLst>
-                                    <p:cond delay="0"/>
-                                  </p:stCondLst>
-                                  <p:childTnLst>
-                                    <p:set>
-                                      <p:cBhvr>
-                                        <p:cTn id="10" dur="1" fill="hold">
-                                          <p:stCondLst>
-                                            <p:cond delay="0"/>
-                                          </p:stCondLst>
-                                        </p:cTn>
-                                        <p:tgtEl>
-                                          <p:spTgt spid="3">
-                                            <p:txEl>
-                                              <p:pRg st="2" end="2"/>
-                                            </p:txEl>
-                                          </p:spTgt>
-                                        </p:tgtEl>
-                                        <p:attrNameLst>
-                                          <p:attrName>style.visibility</p:attrName>
-                                        </p:attrNameLst>
-                                      </p:cBhvr>
-                                      <p:to>
-                                        <p:strVal val="visible"/>
-                                      </p:to>
-                                    </p:set>
-                                  </p:childTnLst>
-                                </p:cTn>
-                              </p:par>
-                            </p:childTnLst>
-                          </p:cTn>
-                        </p:par>
-                      </p:childTnLst>
-                    </p:cTn>
-                  </p:par>
-                  <p:par>
-                    <p:cTn id="11" fill="hold">
-                      <p:stCondLst>
-                        <p:cond delay="indefinite"/>
-                      </p:stCondLst>
-                      <p:childTnLst>
-                        <p:par>
-                          <p:cTn id="12" fill="hold">
-                            <p:stCondLst>
-                              <p:cond delay="0"/>
-                            </p:stCondLst>
-                            <p:childTnLst>
-                              <p:par>
-                                <p:cTn id="13" presetID="1" presetClass="entr" presetSubtype="0" fill="hold" nodeType="clickEffect">
-                                  <p:stCondLst>
-                                    <p:cond delay="0"/>
-                                  </p:stCondLst>
-                                  <p:childTnLst>
-                                    <p:set>
-                                      <p:cBhvr>
-                                        <p:cTn id="14" dur="1" fill="hold">
-                                          <p:stCondLst>
-                                            <p:cond delay="0"/>
-                                          </p:stCondLst>
-                                        </p:cTn>
-                                        <p:tgtEl>
-                                          <p:spTgt spid="3">
-                                            <p:txEl>
-                                              <p:pRg st="3" end="3"/>
-                                            </p:txEl>
-                                          </p:spTgt>
-                                        </p:tgtEl>
-                                        <p:attrNameLst>
-                                          <p:attrName>style.visibility</p:attrName>
-                                        </p:attrNameLst>
-                                      </p:cBhvr>
-                                      <p:to>
-                                        <p:strVal val="visible"/>
-                                      </p:to>
-                                    </p:set>
-                                  </p:childTnLst>
-                                </p:cTn>
-                              </p:par>
-                            </p:childTnLst>
-                          </p:cTn>
-                        </p:par>
-                      </p:childTnLst>
-                    </p:cTn>
-                  </p:par>
-                  <p:par>
-                    <p:cTn id="15" fill="hold">
-                      <p:stCondLst>
-                        <p:cond delay="indefinite"/>
-                      </p:stCondLst>
-                      <p:childTnLst>
-                        <p:par>
-                          <p:cTn id="16" fill="hold">
-                            <p:stCondLst>
-                              <p:cond delay="0"/>
-                            </p:stCondLst>
-                            <p:childTnLst>
-                              <p:par>
-                                <p:cTn id="17" presetID="1" presetClass="entr" presetSubtype="0" fill="hold" nodeType="clickEffect">
-                                  <p:stCondLst>
-                                    <p:cond delay="0"/>
-                                  </p:stCondLst>
-                                  <p:childTnLst>
-                                    <p:set>
-                                      <p:cBhvr>
-                                        <p:cTn id="18" dur="1" fill="hold">
-                                          <p:stCondLst>
-                                            <p:cond delay="0"/>
-                                          </p:stCondLst>
-                                        </p:cTn>
-                                        <p:tgtEl>
-                                          <p:spTgt spid="3">
-                                            <p:txEl>
-                                              <p:pRg st="4" end="4"/>
-                                            </p:txEl>
-                                          </p:spTgt>
-                                        </p:tgtEl>
-                                        <p:attrNameLst>
-                                          <p:attrName>style.visibility</p:attrName>
-                                        </p:attrNameLst>
-                                      </p:cBhvr>
-                                      <p:to>
-                                        <p:strVal val="visible"/>
-                                      </p:to>
-                                    </p:set>
-                                  </p:childTnLst>
-                                </p:cTn>
-                              </p:par>
-                            </p:childTnLst>
-                          </p:cTn>
-                        </p:par>
-                      </p:childTnLst>
-                    </p:cTn>
-                  </p:par>
-                </p:childTnLst>
-              </p:cTn>
-              <p:prevCondLst>
-                <p:cond evt="onPrev" delay="0">
-                  <p:tgtEl>
-                    <p:sldTgt/>
-                  </p:tgtEl>
-                </p:cond>
-              </p:prevCondLst>
-              <p:nextCondLst>
-                <p:cond evt="onNext" delay="0">
-                  <p:tgtEl>
-                    <p:sldTgt/>
-                  </p:tgtEl>
-                </p:cond>
-              </p:nextCondLst>
-            </p:seq>
-          </p:childTnLst>
-        </p:cTn>
-      </p:par>
-    </p:tnLst>
-  </p:timing>
 </p:sld>
 </file>
 
 <file path=ppt/slides/slide14.xml><?xml version="1.0" encoding="utf-8"?>
+<p:sld xmlns:a="http://schemas.openxmlformats.org/drawingml/2006/main" xmlns:r="http://schemas.openxmlformats.org/officeDocument/2006/relationships" xmlns:p="http://schemas.openxmlformats.org/presentationml/2006/main">
+  <p:cSld>
+    <p:spTree>
+      <p:nvGrpSpPr>
+        <p:cNvPr id="1" name=""/>
+        <p:cNvGrpSpPr/>
+        <p:nvPr/>
+      </p:nvGrpSpPr>
+      <p:grpSpPr>
+        <a:xfrm>
+          <a:off x="0" y="0"/>
+          <a:ext cx="0" cy="0"/>
+          <a:chOff x="0" y="0"/>
+          <a:chExt cx="0" cy="0"/>
+        </a:xfrm>
+      </p:grpSpPr>
+      <p:sp>
+        <p:nvSpPr>
+          <p:cNvPr id="2" name="Title 1"/>
+          <p:cNvSpPr>
+            <a:spLocks noGrp="1"/>
+          </p:cNvSpPr>
+          <p:nvPr>
+            <p:ph type="title"/>
+          </p:nvPr>
+        </p:nvSpPr>
+        <p:spPr/>
+        <p:txBody>
+          <a:bodyPr/>
+          <a:lstStyle/>
+          <a:p>
+            <a:endParaRPr lang="en-US"/>
+          </a:p>
+        </p:txBody>
+      </p:sp>
+      <p:sp>
+        <p:nvSpPr>
+          <p:cNvPr id="3" name="Content Placeholder 2"/>
+          <p:cNvSpPr>
+            <a:spLocks noGrp="1"/>
+          </p:cNvSpPr>
+          <p:nvPr>
+            <p:ph idx="1"/>
+          </p:nvPr>
+        </p:nvSpPr>
+        <p:spPr/>
+        <p:txBody>
+          <a:bodyPr/>
+          <a:lstStyle/>
+          <a:p>
+            <a:endParaRPr lang="en-US"/>
+          </a:p>
+        </p:txBody>
+      </p:sp>
+    </p:spTree>
+    <p:extLst>
+      <p:ext uri="{BB962C8B-B14F-4D97-AF65-F5344CB8AC3E}">
+        <p14:creationId xmlns:p14="http://schemas.microsoft.com/office/powerpoint/2010/main" val="142937679"/>
+      </p:ext>
+    </p:extLst>
+  </p:cSld>
+  <p:clrMapOvr>
+    <a:masterClrMapping/>
+  </p:clrMapOvr>
+</p:sld>
+</file>
+
+<file path=ppt/slides/slide15.xml><?xml version="1.0" encoding="utf-8"?>
 <p:sld xmlns:a="http://schemas.openxmlformats.org/drawingml/2006/main" xmlns:r="http://schemas.openxmlformats.org/officeDocument/2006/relationships" xmlns:p="http://schemas.openxmlformats.org/presentationml/2006/main">
   <p:cSld>
     <p:spTree>
@@ -5716,15 +5645,27 @@
               <a:buNone/>
             </a:pPr>
             <a:r>
-              <a:rPr lang="en-CA" dirty="0" smtClean="0"/>
+              <a:rPr lang="en-CA" b="1" dirty="0" smtClean="0">
+                <a:solidFill>
+                  <a:srgbClr val="FF0000"/>
+                </a:solidFill>
+              </a:rPr>
               <a:t>There are </a:t>
             </a:r>
             <a:r>
-              <a:rPr lang="en-CA" u="sng" dirty="0" smtClean="0"/>
+              <a:rPr lang="en-CA" b="1" u="sng" dirty="0" smtClean="0">
+                <a:solidFill>
+                  <a:srgbClr val="FF0000"/>
+                </a:solidFill>
+              </a:rPr>
               <a:t>two</a:t>
             </a:r>
             <a:r>
-              <a:rPr lang="en-CA" dirty="0" smtClean="0"/>
+              <a:rPr lang="en-CA" b="1" dirty="0" smtClean="0">
+                <a:solidFill>
+                  <a:srgbClr val="FF0000"/>
+                </a:solidFill>
+              </a:rPr>
               <a:t> ways to determine displacement</a:t>
             </a:r>
           </a:p>
@@ -6472,657 +6413,6 @@
         </p:nvSpPr>
         <p:spPr/>
         <p:txBody>
-          <a:bodyPr/>
-          <a:lstStyle/>
-          <a:p>
-            <a:r>
-              <a:rPr lang="en-CA" dirty="0" smtClean="0"/>
-              <a:t>Change of Position (Ex #1)</a:t>
-            </a:r>
-            <a:endParaRPr lang="en-US" dirty="0"/>
-          </a:p>
-        </p:txBody>
-      </p:sp>
-      <p:sp>
-        <p:nvSpPr>
-          <p:cNvPr id="3" name="Content Placeholder 2"/>
-          <p:cNvSpPr>
-            <a:spLocks noGrp="1"/>
-          </p:cNvSpPr>
-          <p:nvPr>
-            <p:ph idx="1"/>
-          </p:nvPr>
-        </p:nvSpPr>
-        <p:spPr/>
-        <p:txBody>
-          <a:bodyPr>
-            <a:normAutofit fontScale="92500"/>
-          </a:bodyPr>
-          <a:lstStyle/>
-          <a:p>
-            <a:pPr marL="514350" indent="-514350">
-              <a:buFont typeface="+mj-lt"/>
-              <a:buAutoNum type="arabicPeriod"/>
-            </a:pPr>
-            <a:r>
-              <a:rPr lang="en-CA" sz="2800" dirty="0" smtClean="0"/>
-              <a:t>A student starts at a position of 10 m [East] and finishes at a position of 30 m [East]. The student completes this motion in a time of 4 seconds.</a:t>
-            </a:r>
-            <a:endParaRPr lang="en-US" sz="2800" dirty="0" smtClean="0"/>
-          </a:p>
-          <a:p>
-            <a:pPr marL="914400" lvl="1" indent="-514350">
-              <a:buFont typeface="+mj-lt"/>
-              <a:buAutoNum type="alphaLcParenR"/>
-            </a:pPr>
-            <a:r>
-              <a:rPr lang="en-CA" sz="2400" dirty="0" smtClean="0"/>
-              <a:t>Draw a diagram showing the student’s starting position, ending position, and displacement.</a:t>
-            </a:r>
-          </a:p>
-          <a:p>
-            <a:pPr marL="914400" lvl="1" indent="-514350">
-              <a:buFont typeface="+mj-lt"/>
-              <a:buAutoNum type="alphaLcParenR"/>
-            </a:pPr>
-            <a:r>
-              <a:rPr lang="en-CA" sz="2400" dirty="0" smtClean="0"/>
-              <a:t>Determine the distance moved</a:t>
-            </a:r>
-          </a:p>
-          <a:p>
-            <a:pPr marL="914400" lvl="1" indent="-514350">
-              <a:buFont typeface="+mj-lt"/>
-              <a:buAutoNum type="alphaLcParenR"/>
-            </a:pPr>
-            <a:r>
-              <a:rPr lang="en-CA" sz="2400" dirty="0" smtClean="0"/>
-              <a:t>Determine the student’s displacement</a:t>
-            </a:r>
-          </a:p>
-          <a:p>
-            <a:pPr marL="914400" lvl="1" indent="-514350">
-              <a:buFont typeface="+mj-lt"/>
-              <a:buAutoNum type="alphaLcParenR"/>
-            </a:pPr>
-            <a:r>
-              <a:rPr lang="en-CA" sz="2400" dirty="0" smtClean="0"/>
-              <a:t>Determine the average speed of the student</a:t>
-            </a:r>
-          </a:p>
-          <a:p>
-            <a:pPr marL="914400" lvl="1" indent="-514350">
-              <a:buFont typeface="+mj-lt"/>
-              <a:buAutoNum type="alphaLcParenR"/>
-            </a:pPr>
-            <a:r>
-              <a:rPr lang="en-CA" sz="2400" dirty="0"/>
-              <a:t>Determine the </a:t>
-            </a:r>
-            <a:r>
-              <a:rPr lang="en-CA" sz="2400" dirty="0" smtClean="0"/>
-              <a:t>velocity of </a:t>
-            </a:r>
-            <a:r>
-              <a:rPr lang="en-CA" sz="2400" dirty="0"/>
-              <a:t>the </a:t>
-            </a:r>
-            <a:r>
-              <a:rPr lang="en-CA" sz="2400" dirty="0" smtClean="0"/>
-              <a:t>student</a:t>
-            </a:r>
-          </a:p>
-          <a:p>
-            <a:pPr marL="914400" lvl="1" indent="-514350">
-              <a:buFont typeface="+mj-lt"/>
-              <a:buAutoNum type="alphaLcParenR"/>
-            </a:pPr>
-            <a:r>
-              <a:rPr lang="en-CA" sz="2400" dirty="0" smtClean="0"/>
-              <a:t>Explain how your answers would change if the student moved to a position of 40 m [East] in the middle of their trip.</a:t>
-            </a:r>
-            <a:endParaRPr lang="en-CA" sz="2400" dirty="0"/>
-          </a:p>
-          <a:p>
-            <a:pPr marL="400050" lvl="1" indent="0">
-              <a:buNone/>
-            </a:pPr>
-            <a:endParaRPr lang="en-CA" sz="2400" dirty="0" smtClean="0"/>
-          </a:p>
-        </p:txBody>
-      </p:sp>
-    </p:spTree>
-    <p:extLst>
-      <p:ext uri="{BB962C8B-B14F-4D97-AF65-F5344CB8AC3E}">
-        <p14:creationId xmlns:p14="http://schemas.microsoft.com/office/powerpoint/2010/main" val="231205176"/>
-      </p:ext>
-    </p:extLst>
-  </p:cSld>
-  <p:clrMapOvr>
-    <a:masterClrMapping/>
-  </p:clrMapOvr>
-  <p:timing>
-    <p:tnLst>
-      <p:par>
-        <p:cTn id="1" dur="indefinite" restart="never" nodeType="tmRoot"/>
-      </p:par>
-    </p:tnLst>
-  </p:timing>
-</p:sld>
-</file>
-
-<file path=ppt/slides/slide5.xml><?xml version="1.0" encoding="utf-8"?>
-<p:sld xmlns:a="http://schemas.openxmlformats.org/drawingml/2006/main" xmlns:r="http://schemas.openxmlformats.org/officeDocument/2006/relationships" xmlns:p="http://schemas.openxmlformats.org/presentationml/2006/main">
-  <p:cSld>
-    <p:spTree>
-      <p:nvGrpSpPr>
-        <p:cNvPr id="1" name=""/>
-        <p:cNvGrpSpPr/>
-        <p:nvPr/>
-      </p:nvGrpSpPr>
-      <p:grpSpPr>
-        <a:xfrm>
-          <a:off x="0" y="0"/>
-          <a:ext cx="0" cy="0"/>
-          <a:chOff x="0" y="0"/>
-          <a:chExt cx="0" cy="0"/>
-        </a:xfrm>
-      </p:grpSpPr>
-      <p:sp>
-        <p:nvSpPr>
-          <p:cNvPr id="2" name="Title 1"/>
-          <p:cNvSpPr>
-            <a:spLocks noGrp="1"/>
-          </p:cNvSpPr>
-          <p:nvPr>
-            <p:ph type="title"/>
-          </p:nvPr>
-        </p:nvSpPr>
-        <p:spPr/>
-        <p:txBody>
-          <a:bodyPr/>
-          <a:lstStyle/>
-          <a:p>
-            <a:r>
-              <a:rPr lang="en-CA" dirty="0" smtClean="0"/>
-              <a:t>Change of Position (Ex #2)</a:t>
-            </a:r>
-            <a:endParaRPr lang="en-US" dirty="0"/>
-          </a:p>
-        </p:txBody>
-      </p:sp>
-      <p:sp>
-        <p:nvSpPr>
-          <p:cNvPr id="3" name="Content Placeholder 2"/>
-          <p:cNvSpPr>
-            <a:spLocks noGrp="1"/>
-          </p:cNvSpPr>
-          <p:nvPr>
-            <p:ph idx="1"/>
-          </p:nvPr>
-        </p:nvSpPr>
-        <p:spPr/>
-        <p:txBody>
-          <a:bodyPr>
-            <a:normAutofit fontScale="92500"/>
-          </a:bodyPr>
-          <a:lstStyle/>
-          <a:p>
-            <a:pPr marL="514350" indent="-514350">
-              <a:buFont typeface="+mj-lt"/>
-              <a:buAutoNum type="arabicPeriod" startAt="2"/>
-            </a:pPr>
-            <a:r>
-              <a:rPr lang="en-CA" sz="2800" dirty="0" smtClean="0"/>
-              <a:t>A student starts at a position of 30 m [West] and finishes at a position of 10 m [West]. The student completes this motion in a time of 4 seconds.</a:t>
-            </a:r>
-            <a:endParaRPr lang="en-US" sz="2800" dirty="0" smtClean="0"/>
-          </a:p>
-          <a:p>
-            <a:pPr marL="914400" lvl="1" indent="-514350">
-              <a:buFont typeface="+mj-lt"/>
-              <a:buAutoNum type="alphaLcParenR"/>
-            </a:pPr>
-            <a:r>
-              <a:rPr lang="en-CA" sz="2400" dirty="0" smtClean="0"/>
-              <a:t>Draw a diagram showing the student’s starting position, ending position, and displacement.</a:t>
-            </a:r>
-          </a:p>
-          <a:p>
-            <a:pPr marL="914400" lvl="1" indent="-514350">
-              <a:buFont typeface="+mj-lt"/>
-              <a:buAutoNum type="alphaLcParenR"/>
-            </a:pPr>
-            <a:r>
-              <a:rPr lang="en-CA" sz="2400" dirty="0" smtClean="0"/>
-              <a:t>Determine the distance moved</a:t>
-            </a:r>
-          </a:p>
-          <a:p>
-            <a:pPr marL="914400" lvl="1" indent="-514350">
-              <a:buFont typeface="+mj-lt"/>
-              <a:buAutoNum type="alphaLcParenR"/>
-            </a:pPr>
-            <a:r>
-              <a:rPr lang="en-CA" sz="2400" dirty="0" smtClean="0"/>
-              <a:t>Determine the student’s displacement</a:t>
-            </a:r>
-          </a:p>
-          <a:p>
-            <a:pPr marL="914400" lvl="1" indent="-514350">
-              <a:buFont typeface="+mj-lt"/>
-              <a:buAutoNum type="alphaLcParenR"/>
-            </a:pPr>
-            <a:r>
-              <a:rPr lang="en-CA" sz="2400" dirty="0" smtClean="0"/>
-              <a:t>Determine the average speed of the student</a:t>
-            </a:r>
-          </a:p>
-          <a:p>
-            <a:pPr marL="914400" lvl="1" indent="-514350">
-              <a:buFont typeface="+mj-lt"/>
-              <a:buAutoNum type="alphaLcParenR"/>
-            </a:pPr>
-            <a:r>
-              <a:rPr lang="en-CA" sz="2400" dirty="0"/>
-              <a:t>Determine the </a:t>
-            </a:r>
-            <a:r>
-              <a:rPr lang="en-CA" sz="2400" dirty="0" smtClean="0"/>
-              <a:t>velocity of </a:t>
-            </a:r>
-            <a:r>
-              <a:rPr lang="en-CA" sz="2400" dirty="0"/>
-              <a:t>the </a:t>
-            </a:r>
-            <a:r>
-              <a:rPr lang="en-CA" sz="2400" dirty="0" smtClean="0"/>
-              <a:t>student</a:t>
-            </a:r>
-          </a:p>
-          <a:p>
-            <a:pPr marL="914400" lvl="1" indent="-514350">
-              <a:buFont typeface="+mj-lt"/>
-              <a:buAutoNum type="alphaLcParenR"/>
-            </a:pPr>
-            <a:r>
-              <a:rPr lang="en-CA" sz="2400" dirty="0" smtClean="0"/>
-              <a:t>Explain how your answers would change if the student moved to a position of 40 m [West] in the middle of their trip.</a:t>
-            </a:r>
-            <a:endParaRPr lang="en-CA" sz="2400" dirty="0"/>
-          </a:p>
-          <a:p>
-            <a:pPr marL="400050" lvl="1" indent="0">
-              <a:buNone/>
-            </a:pPr>
-            <a:endParaRPr lang="en-CA" sz="2400" dirty="0" smtClean="0"/>
-          </a:p>
-        </p:txBody>
-      </p:sp>
-    </p:spTree>
-    <p:extLst>
-      <p:ext uri="{BB962C8B-B14F-4D97-AF65-F5344CB8AC3E}">
-        <p14:creationId xmlns:p14="http://schemas.microsoft.com/office/powerpoint/2010/main" val="2379908736"/>
-      </p:ext>
-    </p:extLst>
-  </p:cSld>
-  <p:clrMapOvr>
-    <a:masterClrMapping/>
-  </p:clrMapOvr>
-</p:sld>
-</file>
-
-<file path=ppt/slides/slide6.xml><?xml version="1.0" encoding="utf-8"?>
-<p:sld xmlns:a="http://schemas.openxmlformats.org/drawingml/2006/main" xmlns:r="http://schemas.openxmlformats.org/officeDocument/2006/relationships" xmlns:p="http://schemas.openxmlformats.org/presentationml/2006/main">
-  <p:cSld>
-    <p:spTree>
-      <p:nvGrpSpPr>
-        <p:cNvPr id="1" name=""/>
-        <p:cNvGrpSpPr/>
-        <p:nvPr/>
-      </p:nvGrpSpPr>
-      <p:grpSpPr>
-        <a:xfrm>
-          <a:off x="0" y="0"/>
-          <a:ext cx="0" cy="0"/>
-          <a:chOff x="0" y="0"/>
-          <a:chExt cx="0" cy="0"/>
-        </a:xfrm>
-      </p:grpSpPr>
-      <p:sp>
-        <p:nvSpPr>
-          <p:cNvPr id="2" name="Title 1"/>
-          <p:cNvSpPr>
-            <a:spLocks noGrp="1"/>
-          </p:cNvSpPr>
-          <p:nvPr>
-            <p:ph type="title"/>
-          </p:nvPr>
-        </p:nvSpPr>
-        <p:spPr/>
-        <p:txBody>
-          <a:bodyPr/>
-          <a:lstStyle/>
-          <a:p>
-            <a:r>
-              <a:rPr lang="en-CA" dirty="0" smtClean="0"/>
-              <a:t>Change of Position (Ex #3)</a:t>
-            </a:r>
-            <a:endParaRPr lang="en-US" dirty="0"/>
-          </a:p>
-        </p:txBody>
-      </p:sp>
-      <p:sp>
-        <p:nvSpPr>
-          <p:cNvPr id="3" name="Content Placeholder 2"/>
-          <p:cNvSpPr>
-            <a:spLocks noGrp="1"/>
-          </p:cNvSpPr>
-          <p:nvPr>
-            <p:ph idx="1"/>
-          </p:nvPr>
-        </p:nvSpPr>
-        <p:spPr/>
-        <p:txBody>
-          <a:bodyPr>
-            <a:normAutofit fontScale="92500"/>
-          </a:bodyPr>
-          <a:lstStyle/>
-          <a:p>
-            <a:pPr marL="514350" indent="-514350">
-              <a:buFont typeface="+mj-lt"/>
-              <a:buAutoNum type="arabicPeriod" startAt="3"/>
-            </a:pPr>
-            <a:r>
-              <a:rPr lang="en-CA" sz="2800" dirty="0" smtClean="0"/>
-              <a:t>A student starts at a position of 30 m [West] and finishes at a position of 10 m [East]. The student completes this motion in a time of 5 seconds.</a:t>
-            </a:r>
-            <a:endParaRPr lang="en-US" sz="2800" dirty="0" smtClean="0"/>
-          </a:p>
-          <a:p>
-            <a:pPr marL="914400" lvl="1" indent="-514350">
-              <a:buFont typeface="+mj-lt"/>
-              <a:buAutoNum type="alphaLcParenR"/>
-            </a:pPr>
-            <a:r>
-              <a:rPr lang="en-CA" sz="2400" dirty="0" smtClean="0"/>
-              <a:t>Draw a diagram showing the student’s starting position, ending position, and displacement.</a:t>
-            </a:r>
-          </a:p>
-          <a:p>
-            <a:pPr marL="914400" lvl="1" indent="-514350">
-              <a:buFont typeface="+mj-lt"/>
-              <a:buAutoNum type="alphaLcParenR"/>
-            </a:pPr>
-            <a:r>
-              <a:rPr lang="en-CA" sz="2400" dirty="0" smtClean="0"/>
-              <a:t>Determine the distance moved</a:t>
-            </a:r>
-          </a:p>
-          <a:p>
-            <a:pPr marL="914400" lvl="1" indent="-514350">
-              <a:buFont typeface="+mj-lt"/>
-              <a:buAutoNum type="alphaLcParenR"/>
-            </a:pPr>
-            <a:r>
-              <a:rPr lang="en-CA" sz="2400" dirty="0" smtClean="0"/>
-              <a:t>Determine the student’s displacement</a:t>
-            </a:r>
-          </a:p>
-          <a:p>
-            <a:pPr marL="914400" lvl="1" indent="-514350">
-              <a:buFont typeface="+mj-lt"/>
-              <a:buAutoNum type="alphaLcParenR"/>
-            </a:pPr>
-            <a:r>
-              <a:rPr lang="en-CA" sz="2400" dirty="0" smtClean="0"/>
-              <a:t>Determine the average speed of the student</a:t>
-            </a:r>
-          </a:p>
-          <a:p>
-            <a:pPr marL="914400" lvl="1" indent="-514350">
-              <a:buFont typeface="+mj-lt"/>
-              <a:buAutoNum type="alphaLcParenR"/>
-            </a:pPr>
-            <a:r>
-              <a:rPr lang="en-CA" sz="2400" dirty="0"/>
-              <a:t>Determine the </a:t>
-            </a:r>
-            <a:r>
-              <a:rPr lang="en-CA" sz="2400" dirty="0" smtClean="0"/>
-              <a:t>velocity of </a:t>
-            </a:r>
-            <a:r>
-              <a:rPr lang="en-CA" sz="2400" dirty="0"/>
-              <a:t>the </a:t>
-            </a:r>
-            <a:r>
-              <a:rPr lang="en-CA" sz="2400" dirty="0" smtClean="0"/>
-              <a:t>student</a:t>
-            </a:r>
-          </a:p>
-          <a:p>
-            <a:pPr marL="914400" lvl="1" indent="-514350">
-              <a:buFont typeface="+mj-lt"/>
-              <a:buAutoNum type="alphaLcParenR"/>
-            </a:pPr>
-            <a:r>
-              <a:rPr lang="en-CA" sz="2400" dirty="0" smtClean="0"/>
-              <a:t>Explain how your answers would change if the student moved to a position of 40 m [West] in the middle of their trip.</a:t>
-            </a:r>
-            <a:endParaRPr lang="en-CA" sz="2400" dirty="0"/>
-          </a:p>
-          <a:p>
-            <a:pPr marL="400050" lvl="1" indent="0">
-              <a:buNone/>
-            </a:pPr>
-            <a:endParaRPr lang="en-CA" sz="2400" dirty="0" smtClean="0"/>
-          </a:p>
-        </p:txBody>
-      </p:sp>
-    </p:spTree>
-    <p:extLst>
-      <p:ext uri="{BB962C8B-B14F-4D97-AF65-F5344CB8AC3E}">
-        <p14:creationId xmlns:p14="http://schemas.microsoft.com/office/powerpoint/2010/main" val="1955060974"/>
-      </p:ext>
-    </p:extLst>
-  </p:cSld>
-  <p:clrMapOvr>
-    <a:masterClrMapping/>
-  </p:clrMapOvr>
-</p:sld>
-</file>
-
-<file path=ppt/slides/slide7.xml><?xml version="1.0" encoding="utf-8"?>
-<p:sld xmlns:a="http://schemas.openxmlformats.org/drawingml/2006/main" xmlns:r="http://schemas.openxmlformats.org/officeDocument/2006/relationships" xmlns:p="http://schemas.openxmlformats.org/presentationml/2006/main">
-  <p:cSld>
-    <p:spTree>
-      <p:nvGrpSpPr>
-        <p:cNvPr id="1" name=""/>
-        <p:cNvGrpSpPr/>
-        <p:nvPr/>
-      </p:nvGrpSpPr>
-      <p:grpSpPr>
-        <a:xfrm>
-          <a:off x="0" y="0"/>
-          <a:ext cx="0" cy="0"/>
-          <a:chOff x="0" y="0"/>
-          <a:chExt cx="0" cy="0"/>
-        </a:xfrm>
-      </p:grpSpPr>
-      <p:sp>
-        <p:nvSpPr>
-          <p:cNvPr id="2" name="Title 1"/>
-          <p:cNvSpPr>
-            <a:spLocks noGrp="1"/>
-          </p:cNvSpPr>
-          <p:nvPr>
-            <p:ph type="title"/>
-          </p:nvPr>
-        </p:nvSpPr>
-        <p:spPr/>
-        <p:txBody>
-          <a:bodyPr/>
-          <a:lstStyle/>
-          <a:p>
-            <a:r>
-              <a:rPr lang="en-CA" dirty="0" smtClean="0"/>
-              <a:t>Change of Position (Ex #4)</a:t>
-            </a:r>
-            <a:endParaRPr lang="en-US" dirty="0"/>
-          </a:p>
-        </p:txBody>
-      </p:sp>
-      <p:sp>
-        <p:nvSpPr>
-          <p:cNvPr id="3" name="Content Placeholder 2"/>
-          <p:cNvSpPr>
-            <a:spLocks noGrp="1"/>
-          </p:cNvSpPr>
-          <p:nvPr>
-            <p:ph idx="1"/>
-          </p:nvPr>
-        </p:nvSpPr>
-        <p:spPr/>
-        <p:txBody>
-          <a:bodyPr>
-            <a:normAutofit fontScale="92500"/>
-          </a:bodyPr>
-          <a:lstStyle/>
-          <a:p>
-            <a:pPr marL="514350" indent="-514350">
-              <a:buFont typeface="+mj-lt"/>
-              <a:buAutoNum type="arabicPeriod" startAt="4"/>
-            </a:pPr>
-            <a:r>
-              <a:rPr lang="en-CA" sz="2800" dirty="0" smtClean="0"/>
-              <a:t>A student starts at a position of 30 m [East] and finishes at a position of 10 m [West]. The student completes this motion in a time of 5 seconds.</a:t>
-            </a:r>
-            <a:endParaRPr lang="en-US" sz="2800" dirty="0" smtClean="0"/>
-          </a:p>
-          <a:p>
-            <a:pPr marL="914400" lvl="1" indent="-514350">
-              <a:buFont typeface="+mj-lt"/>
-              <a:buAutoNum type="alphaLcParenR"/>
-            </a:pPr>
-            <a:r>
-              <a:rPr lang="en-CA" sz="2400" dirty="0" smtClean="0"/>
-              <a:t>Draw a diagram showing the student’s starting position, ending position, and displacement.</a:t>
-            </a:r>
-          </a:p>
-          <a:p>
-            <a:pPr marL="914400" lvl="1" indent="-514350">
-              <a:buFont typeface="+mj-lt"/>
-              <a:buAutoNum type="alphaLcParenR"/>
-            </a:pPr>
-            <a:r>
-              <a:rPr lang="en-CA" sz="2400" dirty="0" smtClean="0"/>
-              <a:t>Determine the distance moved</a:t>
-            </a:r>
-          </a:p>
-          <a:p>
-            <a:pPr marL="914400" lvl="1" indent="-514350">
-              <a:buFont typeface="+mj-lt"/>
-              <a:buAutoNum type="alphaLcParenR"/>
-            </a:pPr>
-            <a:r>
-              <a:rPr lang="en-CA" sz="2400" dirty="0" smtClean="0"/>
-              <a:t>Determine the student’s displacement</a:t>
-            </a:r>
-          </a:p>
-          <a:p>
-            <a:pPr marL="914400" lvl="1" indent="-514350">
-              <a:buFont typeface="+mj-lt"/>
-              <a:buAutoNum type="alphaLcParenR"/>
-            </a:pPr>
-            <a:r>
-              <a:rPr lang="en-CA" sz="2400" dirty="0" smtClean="0"/>
-              <a:t>Determine the average speed of the student</a:t>
-            </a:r>
-          </a:p>
-          <a:p>
-            <a:pPr marL="914400" lvl="1" indent="-514350">
-              <a:buFont typeface="+mj-lt"/>
-              <a:buAutoNum type="alphaLcParenR"/>
-            </a:pPr>
-            <a:r>
-              <a:rPr lang="en-CA" sz="2400" dirty="0"/>
-              <a:t>Determine the </a:t>
-            </a:r>
-            <a:r>
-              <a:rPr lang="en-CA" sz="2400" dirty="0" smtClean="0"/>
-              <a:t>velocity of </a:t>
-            </a:r>
-            <a:r>
-              <a:rPr lang="en-CA" sz="2400" dirty="0"/>
-              <a:t>the </a:t>
-            </a:r>
-            <a:r>
-              <a:rPr lang="en-CA" sz="2400" dirty="0" smtClean="0"/>
-              <a:t>student</a:t>
-            </a:r>
-          </a:p>
-          <a:p>
-            <a:pPr marL="914400" lvl="1" indent="-514350">
-              <a:buFont typeface="+mj-lt"/>
-              <a:buAutoNum type="alphaLcParenR"/>
-            </a:pPr>
-            <a:r>
-              <a:rPr lang="en-CA" sz="2400" dirty="0" smtClean="0"/>
-              <a:t>Explain how your answers would change if the student moved to a position of 40 m [East] in the middle of their trip.</a:t>
-            </a:r>
-            <a:endParaRPr lang="en-CA" sz="2400" dirty="0"/>
-          </a:p>
-          <a:p>
-            <a:pPr marL="400050" lvl="1" indent="0">
-              <a:buNone/>
-            </a:pPr>
-            <a:endParaRPr lang="en-CA" sz="2400" dirty="0" smtClean="0"/>
-          </a:p>
-        </p:txBody>
-      </p:sp>
-    </p:spTree>
-    <p:extLst>
-      <p:ext uri="{BB962C8B-B14F-4D97-AF65-F5344CB8AC3E}">
-        <p14:creationId xmlns:p14="http://schemas.microsoft.com/office/powerpoint/2010/main" val="1329447007"/>
-      </p:ext>
-    </p:extLst>
-  </p:cSld>
-  <p:clrMapOvr>
-    <a:masterClrMapping/>
-  </p:clrMapOvr>
-</p:sld>
-</file>
-
-<file path=ppt/slides/slide8.xml><?xml version="1.0" encoding="utf-8"?>
-<p:sld xmlns:a="http://schemas.openxmlformats.org/drawingml/2006/main" xmlns:r="http://schemas.openxmlformats.org/officeDocument/2006/relationships" xmlns:p="http://schemas.openxmlformats.org/presentationml/2006/main">
-  <p:cSld>
-    <p:spTree>
-      <p:nvGrpSpPr>
-        <p:cNvPr id="1" name=""/>
-        <p:cNvGrpSpPr/>
-        <p:nvPr/>
-      </p:nvGrpSpPr>
-      <p:grpSpPr>
-        <a:xfrm>
-          <a:off x="0" y="0"/>
-          <a:ext cx="0" cy="0"/>
-          <a:chOff x="0" y="0"/>
-          <a:chExt cx="0" cy="0"/>
-        </a:xfrm>
-      </p:grpSpPr>
-      <p:sp>
-        <p:nvSpPr>
-          <p:cNvPr id="2" name="Title 1"/>
-          <p:cNvSpPr>
-            <a:spLocks noGrp="1"/>
-          </p:cNvSpPr>
-          <p:nvPr>
-            <p:ph type="title"/>
-          </p:nvPr>
-        </p:nvSpPr>
-        <p:spPr/>
-        <p:txBody>
           <a:bodyPr>
             <a:normAutofit fontScale="90000"/>
           </a:bodyPr>
@@ -7452,6 +6742,1109 @@
 </p:sld>
 </file>
 
+<file path=ppt/slides/slide5.xml><?xml version="1.0" encoding="utf-8"?>
+<p:sld xmlns:a="http://schemas.openxmlformats.org/drawingml/2006/main" xmlns:r="http://schemas.openxmlformats.org/officeDocument/2006/relationships" xmlns:p="http://schemas.openxmlformats.org/presentationml/2006/main">
+  <p:cSld>
+    <p:spTree>
+      <p:nvGrpSpPr>
+        <p:cNvPr id="1" name=""/>
+        <p:cNvGrpSpPr/>
+        <p:nvPr/>
+      </p:nvGrpSpPr>
+      <p:grpSpPr>
+        <a:xfrm>
+          <a:off x="0" y="0"/>
+          <a:ext cx="0" cy="0"/>
+          <a:chOff x="0" y="0"/>
+          <a:chExt cx="0" cy="0"/>
+        </a:xfrm>
+      </p:grpSpPr>
+      <p:sp>
+        <p:nvSpPr>
+          <p:cNvPr id="2" name="Title 1"/>
+          <p:cNvSpPr>
+            <a:spLocks noGrp="1"/>
+          </p:cNvSpPr>
+          <p:nvPr>
+            <p:ph type="title"/>
+          </p:nvPr>
+        </p:nvSpPr>
+        <p:spPr/>
+        <p:txBody>
+          <a:bodyPr>
+            <a:normAutofit/>
+          </a:bodyPr>
+          <a:lstStyle/>
+          <a:p>
+            <a:r>
+              <a:rPr lang="en-CA" dirty="0" smtClean="0"/>
+              <a:t>Example #1</a:t>
+            </a:r>
+            <a:endParaRPr lang="en-US" dirty="0"/>
+          </a:p>
+        </p:txBody>
+      </p:sp>
+      <p:sp>
+        <p:nvSpPr>
+          <p:cNvPr id="3" name="Content Placeholder 2"/>
+          <p:cNvSpPr>
+            <a:spLocks noGrp="1"/>
+          </p:cNvSpPr>
+          <p:nvPr>
+            <p:ph idx="1"/>
+          </p:nvPr>
+        </p:nvSpPr>
+        <p:spPr/>
+        <p:txBody>
+          <a:bodyPr>
+            <a:normAutofit fontScale="92500" lnSpcReduction="10000"/>
+          </a:bodyPr>
+          <a:lstStyle/>
+          <a:p>
+            <a:pPr marL="514350" indent="-514350">
+              <a:buFont typeface="+mj-lt"/>
+              <a:buAutoNum type="arabicPeriod"/>
+            </a:pPr>
+            <a:r>
+              <a:rPr lang="en-CA" sz="2800" dirty="0" smtClean="0"/>
+              <a:t>A student starts at a position of 10 m [East] and finishes at a position of 30 m [East]. The student completes this motion in a time of 4 seconds</a:t>
+            </a:r>
+            <a:r>
+              <a:rPr lang="en-CA" sz="2800" dirty="0" smtClean="0"/>
+              <a:t>.</a:t>
+            </a:r>
+          </a:p>
+          <a:p>
+            <a:pPr marL="1314450" lvl="2" indent="-514350">
+              <a:buFont typeface="+mj-lt"/>
+              <a:buAutoNum type="alphaLcParenR"/>
+            </a:pPr>
+            <a:endParaRPr lang="en-US" sz="2000" dirty="0" smtClean="0"/>
+          </a:p>
+          <a:p>
+            <a:pPr marL="914400" lvl="1" indent="-514350">
+              <a:buFont typeface="+mj-lt"/>
+              <a:buAutoNum type="alphaLcParenR"/>
+            </a:pPr>
+            <a:r>
+              <a:rPr lang="en-CA" sz="2400" dirty="0" smtClean="0"/>
+              <a:t>Determine if this problem should be solved by:</a:t>
+            </a:r>
+          </a:p>
+          <a:p>
+            <a:pPr marL="1314450" lvl="2" indent="-514350"/>
+            <a:r>
+              <a:rPr lang="en-CA" sz="2000" dirty="0" smtClean="0"/>
+              <a:t>Change of Position Method</a:t>
+            </a:r>
+          </a:p>
+          <a:p>
+            <a:pPr marL="1314450" lvl="2" indent="-514350"/>
+            <a:r>
+              <a:rPr lang="en-CA" sz="2000" dirty="0" smtClean="0"/>
+              <a:t>Sum of Displacements Method</a:t>
+            </a:r>
+            <a:br>
+              <a:rPr lang="en-CA" sz="2000" dirty="0" smtClean="0"/>
+            </a:br>
+            <a:endParaRPr lang="en-CA" sz="2000" dirty="0" smtClean="0"/>
+          </a:p>
+          <a:p>
+            <a:pPr marL="914400" lvl="1" indent="-514350">
+              <a:buFont typeface="+mj-lt"/>
+              <a:buAutoNum type="alphaLcParenR"/>
+            </a:pPr>
+            <a:r>
+              <a:rPr lang="en-CA" sz="2400" dirty="0" smtClean="0"/>
+              <a:t>Determine the distance moved</a:t>
+            </a:r>
+          </a:p>
+          <a:p>
+            <a:pPr marL="914400" lvl="1" indent="-514350">
+              <a:buFont typeface="+mj-lt"/>
+              <a:buAutoNum type="alphaLcParenR"/>
+            </a:pPr>
+            <a:r>
+              <a:rPr lang="en-CA" sz="2400" dirty="0" smtClean="0"/>
+              <a:t>Determine the student’s displacement</a:t>
+            </a:r>
+          </a:p>
+          <a:p>
+            <a:pPr marL="914400" lvl="1" indent="-514350">
+              <a:buFont typeface="+mj-lt"/>
+              <a:buAutoNum type="alphaLcParenR"/>
+            </a:pPr>
+            <a:r>
+              <a:rPr lang="en-CA" sz="2400" dirty="0" smtClean="0"/>
+              <a:t>Determine the average speed of the student</a:t>
+            </a:r>
+          </a:p>
+          <a:p>
+            <a:pPr marL="914400" lvl="1" indent="-514350">
+              <a:buFont typeface="+mj-lt"/>
+              <a:buAutoNum type="alphaLcParenR"/>
+            </a:pPr>
+            <a:r>
+              <a:rPr lang="en-CA" sz="2400" dirty="0"/>
+              <a:t>Determine the </a:t>
+            </a:r>
+            <a:r>
+              <a:rPr lang="en-CA" sz="2400" dirty="0" smtClean="0"/>
+              <a:t>velocity of </a:t>
+            </a:r>
+            <a:r>
+              <a:rPr lang="en-CA" sz="2400" dirty="0"/>
+              <a:t>the </a:t>
+            </a:r>
+            <a:r>
+              <a:rPr lang="en-CA" sz="2400" dirty="0" smtClean="0"/>
+              <a:t>student</a:t>
+            </a:r>
+          </a:p>
+          <a:p>
+            <a:pPr marL="400050" lvl="1" indent="0">
+              <a:buNone/>
+            </a:pPr>
+            <a:endParaRPr lang="en-CA" sz="2400" dirty="0" smtClean="0"/>
+          </a:p>
+        </p:txBody>
+      </p:sp>
+    </p:spTree>
+    <p:extLst>
+      <p:ext uri="{BB962C8B-B14F-4D97-AF65-F5344CB8AC3E}">
+        <p14:creationId xmlns:p14="http://schemas.microsoft.com/office/powerpoint/2010/main" val="231205176"/>
+      </p:ext>
+    </p:extLst>
+  </p:cSld>
+  <p:clrMapOvr>
+    <a:masterClrMapping/>
+  </p:clrMapOvr>
+  <p:timing>
+    <p:tnLst>
+      <p:par>
+        <p:cTn id="1" dur="indefinite" restart="never" nodeType="tmRoot"/>
+      </p:par>
+    </p:tnLst>
+  </p:timing>
+</p:sld>
+</file>
+
+<file path=ppt/slides/slide6.xml><?xml version="1.0" encoding="utf-8"?>
+<p:sld xmlns:a="http://schemas.openxmlformats.org/drawingml/2006/main" xmlns:r="http://schemas.openxmlformats.org/officeDocument/2006/relationships" xmlns:p="http://schemas.openxmlformats.org/presentationml/2006/main">
+  <p:cSld>
+    <p:spTree>
+      <p:nvGrpSpPr>
+        <p:cNvPr id="1" name=""/>
+        <p:cNvGrpSpPr/>
+        <p:nvPr/>
+      </p:nvGrpSpPr>
+      <p:grpSpPr>
+        <a:xfrm>
+          <a:off x="0" y="0"/>
+          <a:ext cx="0" cy="0"/>
+          <a:chOff x="0" y="0"/>
+          <a:chExt cx="0" cy="0"/>
+        </a:xfrm>
+      </p:grpSpPr>
+      <p:sp>
+        <p:nvSpPr>
+          <p:cNvPr id="2" name="Title 1"/>
+          <p:cNvSpPr>
+            <a:spLocks noGrp="1"/>
+          </p:cNvSpPr>
+          <p:nvPr>
+            <p:ph type="title"/>
+          </p:nvPr>
+        </p:nvSpPr>
+        <p:spPr/>
+        <p:txBody>
+          <a:bodyPr>
+            <a:normAutofit/>
+          </a:bodyPr>
+          <a:lstStyle/>
+          <a:p>
+            <a:r>
+              <a:rPr lang="en-CA" dirty="0" smtClean="0"/>
+              <a:t>Example #2</a:t>
+            </a:r>
+            <a:endParaRPr lang="en-US" dirty="0"/>
+          </a:p>
+        </p:txBody>
+      </p:sp>
+      <p:sp>
+        <p:nvSpPr>
+          <p:cNvPr id="3" name="Content Placeholder 2"/>
+          <p:cNvSpPr>
+            <a:spLocks noGrp="1"/>
+          </p:cNvSpPr>
+          <p:nvPr>
+            <p:ph idx="1"/>
+          </p:nvPr>
+        </p:nvSpPr>
+        <p:spPr/>
+        <p:txBody>
+          <a:bodyPr>
+            <a:normAutofit fontScale="92500" lnSpcReduction="10000"/>
+          </a:bodyPr>
+          <a:lstStyle/>
+          <a:p>
+            <a:pPr marL="514350" indent="-514350">
+              <a:buFont typeface="+mj-lt"/>
+              <a:buAutoNum type="arabicPeriod" startAt="5"/>
+            </a:pPr>
+            <a:r>
+              <a:rPr lang="en-CA" sz="2600" dirty="0" smtClean="0"/>
+              <a:t>Starting at the origin a student first moves a distance of </a:t>
+            </a:r>
+            <a:r>
+              <a:rPr lang="en-CA" sz="2600" dirty="0" smtClean="0"/>
+              <a:t/>
+            </a:r>
+            <a:br>
+              <a:rPr lang="en-CA" sz="2600" dirty="0" smtClean="0"/>
+            </a:br>
+            <a:r>
+              <a:rPr lang="en-CA" sz="2600" dirty="0" smtClean="0"/>
+              <a:t>10 </a:t>
+            </a:r>
+            <a:r>
+              <a:rPr lang="en-CA" sz="2600" dirty="0" smtClean="0"/>
+              <a:t>m [East], then moves a distance of </a:t>
+            </a:r>
+            <a:r>
+              <a:rPr lang="en-CA" sz="2600" dirty="0" smtClean="0"/>
+              <a:t>30 </a:t>
+            </a:r>
+            <a:r>
+              <a:rPr lang="en-CA" sz="2600" dirty="0" smtClean="0"/>
+              <a:t>m [East], and finally moves a distance of </a:t>
+            </a:r>
+            <a:r>
+              <a:rPr lang="en-CA" sz="2600" dirty="0" smtClean="0"/>
+              <a:t>10 </a:t>
+            </a:r>
+            <a:r>
+              <a:rPr lang="en-CA" sz="2600" dirty="0" smtClean="0"/>
+              <a:t>m [West]. The student completes this motion in a time of 4 seconds.</a:t>
+            </a:r>
+            <a:endParaRPr lang="en-US" sz="2600" dirty="0" smtClean="0"/>
+          </a:p>
+          <a:p>
+            <a:pPr marL="1314450" lvl="2" indent="-514350">
+              <a:buFont typeface="+mj-lt"/>
+              <a:buAutoNum type="alphaLcParenR"/>
+            </a:pPr>
+            <a:endParaRPr lang="en-US" sz="2000" dirty="0"/>
+          </a:p>
+          <a:p>
+            <a:pPr marL="914400" lvl="1" indent="-514350">
+              <a:buFont typeface="+mj-lt"/>
+              <a:buAutoNum type="alphaLcParenR"/>
+            </a:pPr>
+            <a:r>
+              <a:rPr lang="en-CA" sz="2400" dirty="0"/>
+              <a:t>Determine if this problem should be solved by:</a:t>
+            </a:r>
+          </a:p>
+          <a:p>
+            <a:pPr marL="1314450" lvl="2" indent="-514350"/>
+            <a:r>
+              <a:rPr lang="en-CA" sz="2000" dirty="0"/>
+              <a:t>Change of Position Method</a:t>
+            </a:r>
+          </a:p>
+          <a:p>
+            <a:pPr marL="1314450" lvl="2" indent="-514350"/>
+            <a:r>
+              <a:rPr lang="en-CA" sz="2000" dirty="0"/>
+              <a:t>Sum of Displacements Method</a:t>
+            </a:r>
+            <a:br>
+              <a:rPr lang="en-CA" sz="2000" dirty="0"/>
+            </a:br>
+            <a:endParaRPr lang="en-CA" sz="2000" dirty="0"/>
+          </a:p>
+          <a:p>
+            <a:pPr marL="914400" lvl="1" indent="-514350">
+              <a:buFont typeface="+mj-lt"/>
+              <a:buAutoNum type="alphaLcParenR"/>
+            </a:pPr>
+            <a:r>
+              <a:rPr lang="en-CA" sz="2400" dirty="0"/>
+              <a:t>Determine the distance moved</a:t>
+            </a:r>
+          </a:p>
+          <a:p>
+            <a:pPr marL="914400" lvl="1" indent="-514350">
+              <a:buFont typeface="+mj-lt"/>
+              <a:buAutoNum type="alphaLcParenR"/>
+            </a:pPr>
+            <a:r>
+              <a:rPr lang="en-CA" sz="2400" dirty="0"/>
+              <a:t>Determine the student’s displacement</a:t>
+            </a:r>
+          </a:p>
+          <a:p>
+            <a:pPr marL="914400" lvl="1" indent="-514350">
+              <a:buFont typeface="+mj-lt"/>
+              <a:buAutoNum type="alphaLcParenR"/>
+            </a:pPr>
+            <a:r>
+              <a:rPr lang="en-CA" sz="2400" dirty="0"/>
+              <a:t>Determine the average speed of the student</a:t>
+            </a:r>
+          </a:p>
+          <a:p>
+            <a:pPr marL="914400" lvl="1" indent="-514350">
+              <a:buFont typeface="+mj-lt"/>
+              <a:buAutoNum type="alphaLcParenR"/>
+            </a:pPr>
+            <a:r>
+              <a:rPr lang="en-CA" sz="2400" dirty="0"/>
+              <a:t>Determine the velocity of the student</a:t>
+            </a:r>
+            <a:endParaRPr lang="en-CA" sz="2400" dirty="0" smtClean="0"/>
+          </a:p>
+        </p:txBody>
+      </p:sp>
+    </p:spTree>
+    <p:extLst>
+      <p:ext uri="{BB962C8B-B14F-4D97-AF65-F5344CB8AC3E}">
+        <p14:creationId xmlns:p14="http://schemas.microsoft.com/office/powerpoint/2010/main" val="661734850"/>
+      </p:ext>
+    </p:extLst>
+  </p:cSld>
+  <p:clrMapOvr>
+    <a:masterClrMapping/>
+  </p:clrMapOvr>
+  <p:timing>
+    <p:tnLst>
+      <p:par>
+        <p:cTn id="1" dur="indefinite" restart="never" nodeType="tmRoot"/>
+      </p:par>
+    </p:tnLst>
+  </p:timing>
+</p:sld>
+</file>
+
+<file path=ppt/slides/slide7.xml><?xml version="1.0" encoding="utf-8"?>
+<p:sld xmlns:a="http://schemas.openxmlformats.org/drawingml/2006/main" xmlns:r="http://schemas.openxmlformats.org/officeDocument/2006/relationships" xmlns:p="http://schemas.openxmlformats.org/presentationml/2006/main">
+  <p:cSld>
+    <p:spTree>
+      <p:nvGrpSpPr>
+        <p:cNvPr id="1" name=""/>
+        <p:cNvGrpSpPr/>
+        <p:nvPr/>
+      </p:nvGrpSpPr>
+      <p:grpSpPr>
+        <a:xfrm>
+          <a:off x="0" y="0"/>
+          <a:ext cx="0" cy="0"/>
+          <a:chOff x="0" y="0"/>
+          <a:chExt cx="0" cy="0"/>
+        </a:xfrm>
+      </p:grpSpPr>
+      <p:sp>
+        <p:nvSpPr>
+          <p:cNvPr id="2" name="Title 1"/>
+          <p:cNvSpPr>
+            <a:spLocks noGrp="1"/>
+          </p:cNvSpPr>
+          <p:nvPr>
+            <p:ph type="title"/>
+          </p:nvPr>
+        </p:nvSpPr>
+        <p:spPr/>
+        <p:txBody>
+          <a:bodyPr/>
+          <a:lstStyle/>
+          <a:p>
+            <a:r>
+              <a:rPr lang="en-CA" dirty="0" smtClean="0"/>
+              <a:t>Activity Instructions</a:t>
+            </a:r>
+            <a:endParaRPr lang="en-US" dirty="0"/>
+          </a:p>
+        </p:txBody>
+      </p:sp>
+      <p:sp>
+        <p:nvSpPr>
+          <p:cNvPr id="3" name="Content Placeholder 2"/>
+          <p:cNvSpPr>
+            <a:spLocks noGrp="1"/>
+          </p:cNvSpPr>
+          <p:nvPr>
+            <p:ph idx="1"/>
+          </p:nvPr>
+        </p:nvSpPr>
+        <p:spPr/>
+        <p:txBody>
+          <a:bodyPr>
+            <a:normAutofit fontScale="92500" lnSpcReduction="20000"/>
+          </a:bodyPr>
+          <a:lstStyle/>
+          <a:p>
+            <a:pPr marL="514350" indent="-514350">
+              <a:buFont typeface="+mj-lt"/>
+              <a:buAutoNum type="arabicPeriod"/>
+            </a:pPr>
+            <a:r>
+              <a:rPr lang="en-CA" dirty="0" smtClean="0"/>
+              <a:t>Working in </a:t>
+            </a:r>
+            <a:r>
+              <a:rPr lang="en-CA" dirty="0" smtClean="0"/>
+              <a:t>small groups</a:t>
+            </a:r>
+            <a:br>
+              <a:rPr lang="en-CA" dirty="0" smtClean="0"/>
+            </a:br>
+            <a:endParaRPr lang="en-CA" dirty="0" smtClean="0"/>
+          </a:p>
+          <a:p>
+            <a:pPr marL="514350" indent="-514350">
+              <a:buFont typeface="+mj-lt"/>
+              <a:buAutoNum type="arabicPeriod"/>
+            </a:pPr>
+            <a:r>
+              <a:rPr lang="en-CA" dirty="0" smtClean="0"/>
+              <a:t>Sort the questions according to solution method.</a:t>
+            </a:r>
+          </a:p>
+          <a:p>
+            <a:pPr marL="1314450" lvl="2" indent="-514350">
+              <a:buFont typeface="+mj-lt"/>
+              <a:buAutoNum type="alphaLcParenR"/>
+            </a:pPr>
+            <a:r>
+              <a:rPr lang="en-CA" dirty="0" smtClean="0"/>
+              <a:t>Change of Position</a:t>
+            </a:r>
+          </a:p>
+          <a:p>
+            <a:pPr marL="1314450" lvl="2" indent="-514350">
+              <a:buFont typeface="+mj-lt"/>
+              <a:buAutoNum type="alphaLcParenR"/>
+            </a:pPr>
+            <a:r>
+              <a:rPr lang="en-CA" dirty="0" smtClean="0"/>
+              <a:t>Sum of Displacements</a:t>
+            </a:r>
+          </a:p>
+          <a:p>
+            <a:pPr marL="1314450" lvl="2" indent="-514350">
+              <a:buFont typeface="+mj-lt"/>
+              <a:buAutoNum type="alphaLcParenR"/>
+            </a:pPr>
+            <a:endParaRPr lang="en-CA" dirty="0" smtClean="0"/>
+          </a:p>
+          <a:p>
+            <a:pPr marL="514350" indent="-514350">
+              <a:buFont typeface="+mj-lt"/>
+              <a:buAutoNum type="arabicPeriod"/>
+            </a:pPr>
+            <a:r>
+              <a:rPr lang="en-CA" dirty="0" smtClean="0"/>
+              <a:t>Select one question from each group to solve</a:t>
+            </a:r>
+          </a:p>
+          <a:p>
+            <a:pPr marL="1314450" lvl="2" indent="-514350">
+              <a:buFont typeface="+mj-lt"/>
+              <a:buAutoNum type="alphaLcParenR"/>
+            </a:pPr>
+            <a:r>
+              <a:rPr lang="en-CA" dirty="0" smtClean="0"/>
+              <a:t>Work individually at first</a:t>
+            </a:r>
+          </a:p>
+          <a:p>
+            <a:pPr marL="1314450" lvl="2" indent="-514350">
+              <a:buFont typeface="+mj-lt"/>
+              <a:buAutoNum type="alphaLcParenR"/>
+            </a:pPr>
+            <a:r>
+              <a:rPr lang="en-CA" dirty="0" smtClean="0"/>
+              <a:t>Each group member selects 2 different questions</a:t>
+            </a:r>
+            <a:br>
+              <a:rPr lang="en-CA" dirty="0" smtClean="0"/>
+            </a:br>
+            <a:endParaRPr lang="en-CA" dirty="0" smtClean="0"/>
+          </a:p>
+          <a:p>
+            <a:pPr marL="514350" indent="-514350">
+              <a:buFont typeface="+mj-lt"/>
+              <a:buAutoNum type="arabicPeriod"/>
+            </a:pPr>
+            <a:r>
+              <a:rPr lang="en-CA" dirty="0" smtClean="0"/>
+              <a:t>Share your answers</a:t>
+            </a:r>
+            <a:endParaRPr lang="en-CA" dirty="0" smtClean="0"/>
+          </a:p>
+        </p:txBody>
+      </p:sp>
+    </p:spTree>
+    <p:extLst>
+      <p:ext uri="{BB962C8B-B14F-4D97-AF65-F5344CB8AC3E}">
+        <p14:creationId xmlns:p14="http://schemas.microsoft.com/office/powerpoint/2010/main" val="3583240723"/>
+      </p:ext>
+    </p:extLst>
+  </p:cSld>
+  <p:clrMapOvr>
+    <a:masterClrMapping/>
+  </p:clrMapOvr>
+  <p:timing>
+    <p:tnLst>
+      <p:par>
+        <p:cTn id="1" dur="indefinite" restart="never" nodeType="tmRoot">
+          <p:childTnLst>
+            <p:seq concurrent="1" nextAc="seek">
+              <p:cTn id="2" dur="indefinite" nodeType="mainSeq">
+                <p:childTnLst>
+                  <p:par>
+                    <p:cTn id="3" fill="hold">
+                      <p:stCondLst>
+                        <p:cond delay="indefinite"/>
+                      </p:stCondLst>
+                      <p:childTnLst>
+                        <p:par>
+                          <p:cTn id="4" fill="hold">
+                            <p:stCondLst>
+                              <p:cond delay="0"/>
+                            </p:stCondLst>
+                            <p:childTnLst>
+                              <p:par>
+                                <p:cTn id="5" presetID="1" presetClass="entr" presetSubtype="0" fill="hold" nodeType="clickEffect">
+                                  <p:stCondLst>
+                                    <p:cond delay="0"/>
+                                  </p:stCondLst>
+                                  <p:childTnLst>
+                                    <p:set>
+                                      <p:cBhvr>
+                                        <p:cTn id="6" dur="1" fill="hold">
+                                          <p:stCondLst>
+                                            <p:cond delay="0"/>
+                                          </p:stCondLst>
+                                        </p:cTn>
+                                        <p:tgtEl>
+                                          <p:spTgt spid="3">
+                                            <p:txEl>
+                                              <p:pRg st="1" end="1"/>
+                                            </p:txEl>
+                                          </p:spTgt>
+                                        </p:tgtEl>
+                                        <p:attrNameLst>
+                                          <p:attrName>style.visibility</p:attrName>
+                                        </p:attrNameLst>
+                                      </p:cBhvr>
+                                      <p:to>
+                                        <p:strVal val="visible"/>
+                                      </p:to>
+                                    </p:set>
+                                  </p:childTnLst>
+                                </p:cTn>
+                              </p:par>
+                            </p:childTnLst>
+                          </p:cTn>
+                        </p:par>
+                      </p:childTnLst>
+                    </p:cTn>
+                  </p:par>
+                  <p:par>
+                    <p:cTn id="7" fill="hold">
+                      <p:stCondLst>
+                        <p:cond delay="indefinite"/>
+                      </p:stCondLst>
+                      <p:childTnLst>
+                        <p:par>
+                          <p:cTn id="8" fill="hold">
+                            <p:stCondLst>
+                              <p:cond delay="0"/>
+                            </p:stCondLst>
+                            <p:childTnLst>
+                              <p:par>
+                                <p:cTn id="9" presetID="1" presetClass="entr" presetSubtype="0" fill="hold" nodeType="clickEffect">
+                                  <p:stCondLst>
+                                    <p:cond delay="0"/>
+                                  </p:stCondLst>
+                                  <p:childTnLst>
+                                    <p:set>
+                                      <p:cBhvr>
+                                        <p:cTn id="10" dur="1" fill="hold">
+                                          <p:stCondLst>
+                                            <p:cond delay="0"/>
+                                          </p:stCondLst>
+                                        </p:cTn>
+                                        <p:tgtEl>
+                                          <p:spTgt spid="3">
+                                            <p:txEl>
+                                              <p:pRg st="2" end="2"/>
+                                            </p:txEl>
+                                          </p:spTgt>
+                                        </p:tgtEl>
+                                        <p:attrNameLst>
+                                          <p:attrName>style.visibility</p:attrName>
+                                        </p:attrNameLst>
+                                      </p:cBhvr>
+                                      <p:to>
+                                        <p:strVal val="visible"/>
+                                      </p:to>
+                                    </p:set>
+                                  </p:childTnLst>
+                                </p:cTn>
+                              </p:par>
+                            </p:childTnLst>
+                          </p:cTn>
+                        </p:par>
+                      </p:childTnLst>
+                    </p:cTn>
+                  </p:par>
+                  <p:par>
+                    <p:cTn id="11" fill="hold">
+                      <p:stCondLst>
+                        <p:cond delay="indefinite"/>
+                      </p:stCondLst>
+                      <p:childTnLst>
+                        <p:par>
+                          <p:cTn id="12" fill="hold">
+                            <p:stCondLst>
+                              <p:cond delay="0"/>
+                            </p:stCondLst>
+                            <p:childTnLst>
+                              <p:par>
+                                <p:cTn id="13" presetID="1" presetClass="entr" presetSubtype="0" fill="hold" nodeType="clickEffect">
+                                  <p:stCondLst>
+                                    <p:cond delay="0"/>
+                                  </p:stCondLst>
+                                  <p:childTnLst>
+                                    <p:set>
+                                      <p:cBhvr>
+                                        <p:cTn id="14" dur="1" fill="hold">
+                                          <p:stCondLst>
+                                            <p:cond delay="0"/>
+                                          </p:stCondLst>
+                                        </p:cTn>
+                                        <p:tgtEl>
+                                          <p:spTgt spid="3">
+                                            <p:txEl>
+                                              <p:pRg st="3" end="3"/>
+                                            </p:txEl>
+                                          </p:spTgt>
+                                        </p:tgtEl>
+                                        <p:attrNameLst>
+                                          <p:attrName>style.visibility</p:attrName>
+                                        </p:attrNameLst>
+                                      </p:cBhvr>
+                                      <p:to>
+                                        <p:strVal val="visible"/>
+                                      </p:to>
+                                    </p:set>
+                                  </p:childTnLst>
+                                </p:cTn>
+                              </p:par>
+                            </p:childTnLst>
+                          </p:cTn>
+                        </p:par>
+                      </p:childTnLst>
+                    </p:cTn>
+                  </p:par>
+                  <p:par>
+                    <p:cTn id="15" fill="hold">
+                      <p:stCondLst>
+                        <p:cond delay="indefinite"/>
+                      </p:stCondLst>
+                      <p:childTnLst>
+                        <p:par>
+                          <p:cTn id="16" fill="hold">
+                            <p:stCondLst>
+                              <p:cond delay="0"/>
+                            </p:stCondLst>
+                            <p:childTnLst>
+                              <p:par>
+                                <p:cTn id="17" presetID="1" presetClass="entr" presetSubtype="0" fill="hold" nodeType="clickEffect">
+                                  <p:stCondLst>
+                                    <p:cond delay="0"/>
+                                  </p:stCondLst>
+                                  <p:childTnLst>
+                                    <p:set>
+                                      <p:cBhvr>
+                                        <p:cTn id="18" dur="1" fill="hold">
+                                          <p:stCondLst>
+                                            <p:cond delay="0"/>
+                                          </p:stCondLst>
+                                        </p:cTn>
+                                        <p:tgtEl>
+                                          <p:spTgt spid="3">
+                                            <p:txEl>
+                                              <p:pRg st="5" end="5"/>
+                                            </p:txEl>
+                                          </p:spTgt>
+                                        </p:tgtEl>
+                                        <p:attrNameLst>
+                                          <p:attrName>style.visibility</p:attrName>
+                                        </p:attrNameLst>
+                                      </p:cBhvr>
+                                      <p:to>
+                                        <p:strVal val="visible"/>
+                                      </p:to>
+                                    </p:set>
+                                  </p:childTnLst>
+                                </p:cTn>
+                              </p:par>
+                            </p:childTnLst>
+                          </p:cTn>
+                        </p:par>
+                      </p:childTnLst>
+                    </p:cTn>
+                  </p:par>
+                  <p:par>
+                    <p:cTn id="19" fill="hold">
+                      <p:stCondLst>
+                        <p:cond delay="indefinite"/>
+                      </p:stCondLst>
+                      <p:childTnLst>
+                        <p:par>
+                          <p:cTn id="20" fill="hold">
+                            <p:stCondLst>
+                              <p:cond delay="0"/>
+                            </p:stCondLst>
+                            <p:childTnLst>
+                              <p:par>
+                                <p:cTn id="21" presetID="1" presetClass="entr" presetSubtype="0" fill="hold" nodeType="clickEffect">
+                                  <p:stCondLst>
+                                    <p:cond delay="0"/>
+                                  </p:stCondLst>
+                                  <p:childTnLst>
+                                    <p:set>
+                                      <p:cBhvr>
+                                        <p:cTn id="22" dur="1" fill="hold">
+                                          <p:stCondLst>
+                                            <p:cond delay="0"/>
+                                          </p:stCondLst>
+                                        </p:cTn>
+                                        <p:tgtEl>
+                                          <p:spTgt spid="3">
+                                            <p:txEl>
+                                              <p:pRg st="6" end="6"/>
+                                            </p:txEl>
+                                          </p:spTgt>
+                                        </p:tgtEl>
+                                        <p:attrNameLst>
+                                          <p:attrName>style.visibility</p:attrName>
+                                        </p:attrNameLst>
+                                      </p:cBhvr>
+                                      <p:to>
+                                        <p:strVal val="visible"/>
+                                      </p:to>
+                                    </p:set>
+                                  </p:childTnLst>
+                                </p:cTn>
+                              </p:par>
+                            </p:childTnLst>
+                          </p:cTn>
+                        </p:par>
+                      </p:childTnLst>
+                    </p:cTn>
+                  </p:par>
+                  <p:par>
+                    <p:cTn id="23" fill="hold">
+                      <p:stCondLst>
+                        <p:cond delay="indefinite"/>
+                      </p:stCondLst>
+                      <p:childTnLst>
+                        <p:par>
+                          <p:cTn id="24" fill="hold">
+                            <p:stCondLst>
+                              <p:cond delay="0"/>
+                            </p:stCondLst>
+                            <p:childTnLst>
+                              <p:par>
+                                <p:cTn id="25" presetID="1" presetClass="entr" presetSubtype="0" fill="hold" nodeType="clickEffect">
+                                  <p:stCondLst>
+                                    <p:cond delay="0"/>
+                                  </p:stCondLst>
+                                  <p:childTnLst>
+                                    <p:set>
+                                      <p:cBhvr>
+                                        <p:cTn id="26" dur="1" fill="hold">
+                                          <p:stCondLst>
+                                            <p:cond delay="0"/>
+                                          </p:stCondLst>
+                                        </p:cTn>
+                                        <p:tgtEl>
+                                          <p:spTgt spid="3">
+                                            <p:txEl>
+                                              <p:pRg st="7" end="7"/>
+                                            </p:txEl>
+                                          </p:spTgt>
+                                        </p:tgtEl>
+                                        <p:attrNameLst>
+                                          <p:attrName>style.visibility</p:attrName>
+                                        </p:attrNameLst>
+                                      </p:cBhvr>
+                                      <p:to>
+                                        <p:strVal val="visible"/>
+                                      </p:to>
+                                    </p:set>
+                                  </p:childTnLst>
+                                </p:cTn>
+                              </p:par>
+                            </p:childTnLst>
+                          </p:cTn>
+                        </p:par>
+                      </p:childTnLst>
+                    </p:cTn>
+                  </p:par>
+                  <p:par>
+                    <p:cTn id="27" fill="hold">
+                      <p:stCondLst>
+                        <p:cond delay="indefinite"/>
+                      </p:stCondLst>
+                      <p:childTnLst>
+                        <p:par>
+                          <p:cTn id="28" fill="hold">
+                            <p:stCondLst>
+                              <p:cond delay="0"/>
+                            </p:stCondLst>
+                            <p:childTnLst>
+                              <p:par>
+                                <p:cTn id="29" presetID="1" presetClass="entr" presetSubtype="0" fill="hold" nodeType="clickEffect">
+                                  <p:stCondLst>
+                                    <p:cond delay="0"/>
+                                  </p:stCondLst>
+                                  <p:childTnLst>
+                                    <p:set>
+                                      <p:cBhvr>
+                                        <p:cTn id="30" dur="1" fill="hold">
+                                          <p:stCondLst>
+                                            <p:cond delay="0"/>
+                                          </p:stCondLst>
+                                        </p:cTn>
+                                        <p:tgtEl>
+                                          <p:spTgt spid="3">
+                                            <p:txEl>
+                                              <p:pRg st="8" end="8"/>
+                                            </p:txEl>
+                                          </p:spTgt>
+                                        </p:tgtEl>
+                                        <p:attrNameLst>
+                                          <p:attrName>style.visibility</p:attrName>
+                                        </p:attrNameLst>
+                                      </p:cBhvr>
+                                      <p:to>
+                                        <p:strVal val="visible"/>
+                                      </p:to>
+                                    </p:set>
+                                  </p:childTnLst>
+                                </p:cTn>
+                              </p:par>
+                            </p:childTnLst>
+                          </p:cTn>
+                        </p:par>
+                      </p:childTnLst>
+                    </p:cTn>
+                  </p:par>
+                </p:childTnLst>
+              </p:cTn>
+              <p:prevCondLst>
+                <p:cond evt="onPrev" delay="0">
+                  <p:tgtEl>
+                    <p:sldTgt/>
+                  </p:tgtEl>
+                </p:cond>
+              </p:prevCondLst>
+              <p:nextCondLst>
+                <p:cond evt="onNext" delay="0">
+                  <p:tgtEl>
+                    <p:sldTgt/>
+                  </p:tgtEl>
+                </p:cond>
+              </p:nextCondLst>
+            </p:seq>
+          </p:childTnLst>
+        </p:cTn>
+      </p:par>
+    </p:tnLst>
+  </p:timing>
+</p:sld>
+</file>
+
+<file path=ppt/slides/slide8.xml><?xml version="1.0" encoding="utf-8"?>
+<p:sld xmlns:a="http://schemas.openxmlformats.org/drawingml/2006/main" xmlns:r="http://schemas.openxmlformats.org/officeDocument/2006/relationships" xmlns:p="http://schemas.openxmlformats.org/presentationml/2006/main">
+  <p:cSld>
+    <p:spTree>
+      <p:nvGrpSpPr>
+        <p:cNvPr id="1" name=""/>
+        <p:cNvGrpSpPr/>
+        <p:nvPr/>
+      </p:nvGrpSpPr>
+      <p:grpSpPr>
+        <a:xfrm>
+          <a:off x="0" y="0"/>
+          <a:ext cx="0" cy="0"/>
+          <a:chOff x="0" y="0"/>
+          <a:chExt cx="0" cy="0"/>
+        </a:xfrm>
+      </p:grpSpPr>
+      <p:sp>
+        <p:nvSpPr>
+          <p:cNvPr id="2" name="Title 1"/>
+          <p:cNvSpPr>
+            <a:spLocks noGrp="1"/>
+          </p:cNvSpPr>
+          <p:nvPr>
+            <p:ph type="title"/>
+          </p:nvPr>
+        </p:nvSpPr>
+        <p:spPr/>
+        <p:txBody>
+          <a:bodyPr>
+            <a:normAutofit fontScale="90000"/>
+          </a:bodyPr>
+          <a:lstStyle/>
+          <a:p>
+            <a:r>
+              <a:rPr lang="en-CA" dirty="0"/>
+              <a:t>Change of Position or</a:t>
+            </a:r>
+            <a:br>
+              <a:rPr lang="en-CA" dirty="0"/>
+            </a:br>
+            <a:r>
+              <a:rPr lang="en-CA" dirty="0"/>
+              <a:t>Sum of Displacements </a:t>
+            </a:r>
+            <a:endParaRPr lang="en-US" dirty="0"/>
+          </a:p>
+        </p:txBody>
+      </p:sp>
+      <p:sp>
+        <p:nvSpPr>
+          <p:cNvPr id="3" name="Content Placeholder 2"/>
+          <p:cNvSpPr>
+            <a:spLocks noGrp="1"/>
+          </p:cNvSpPr>
+          <p:nvPr>
+            <p:ph idx="1"/>
+          </p:nvPr>
+        </p:nvSpPr>
+        <p:spPr/>
+        <p:txBody>
+          <a:bodyPr>
+            <a:normAutofit fontScale="92500" lnSpcReduction="10000"/>
+          </a:bodyPr>
+          <a:lstStyle/>
+          <a:p>
+            <a:pPr marL="514350" indent="-514350">
+              <a:buFont typeface="+mj-lt"/>
+              <a:buAutoNum type="arabicPeriod" startAt="2"/>
+            </a:pPr>
+            <a:r>
+              <a:rPr lang="en-CA" sz="2800" dirty="0" smtClean="0"/>
+              <a:t>A student starts at a position of 30 m [West] and finishes at a position of 10 m [West]. The student completes this motion in a time of 4 seconds.</a:t>
+            </a:r>
+            <a:endParaRPr lang="en-US" sz="2800" dirty="0" smtClean="0"/>
+          </a:p>
+          <a:p>
+            <a:pPr marL="1314450" lvl="2" indent="-514350">
+              <a:buFont typeface="+mj-lt"/>
+              <a:buAutoNum type="alphaLcParenR"/>
+            </a:pPr>
+            <a:endParaRPr lang="en-US" sz="2000" dirty="0"/>
+          </a:p>
+          <a:p>
+            <a:pPr marL="914400" lvl="1" indent="-514350">
+              <a:buFont typeface="+mj-lt"/>
+              <a:buAutoNum type="alphaLcParenR"/>
+            </a:pPr>
+            <a:r>
+              <a:rPr lang="en-CA" sz="2400" dirty="0"/>
+              <a:t>Determine if this problem should be solved by:</a:t>
+            </a:r>
+          </a:p>
+          <a:p>
+            <a:pPr marL="1314450" lvl="2" indent="-514350"/>
+            <a:r>
+              <a:rPr lang="en-CA" sz="2000" dirty="0"/>
+              <a:t>Change of Position Method</a:t>
+            </a:r>
+          </a:p>
+          <a:p>
+            <a:pPr marL="1314450" lvl="2" indent="-514350"/>
+            <a:r>
+              <a:rPr lang="en-CA" sz="2000" dirty="0"/>
+              <a:t>Sum of Displacements Method</a:t>
+            </a:r>
+            <a:br>
+              <a:rPr lang="en-CA" sz="2000" dirty="0"/>
+            </a:br>
+            <a:endParaRPr lang="en-CA" sz="2000" dirty="0"/>
+          </a:p>
+          <a:p>
+            <a:pPr marL="914400" lvl="1" indent="-514350">
+              <a:buFont typeface="+mj-lt"/>
+              <a:buAutoNum type="alphaLcParenR"/>
+            </a:pPr>
+            <a:r>
+              <a:rPr lang="en-CA" sz="2400" dirty="0"/>
+              <a:t>Determine the distance moved</a:t>
+            </a:r>
+          </a:p>
+          <a:p>
+            <a:pPr marL="914400" lvl="1" indent="-514350">
+              <a:buFont typeface="+mj-lt"/>
+              <a:buAutoNum type="alphaLcParenR"/>
+            </a:pPr>
+            <a:r>
+              <a:rPr lang="en-CA" sz="2400" dirty="0"/>
+              <a:t>Determine the student’s displacement</a:t>
+            </a:r>
+          </a:p>
+          <a:p>
+            <a:pPr marL="914400" lvl="1" indent="-514350">
+              <a:buFont typeface="+mj-lt"/>
+              <a:buAutoNum type="alphaLcParenR"/>
+            </a:pPr>
+            <a:r>
+              <a:rPr lang="en-CA" sz="2400" dirty="0"/>
+              <a:t>Determine the average speed of the student</a:t>
+            </a:r>
+          </a:p>
+          <a:p>
+            <a:pPr marL="914400" lvl="1" indent="-514350">
+              <a:buFont typeface="+mj-lt"/>
+              <a:buAutoNum type="alphaLcParenR"/>
+            </a:pPr>
+            <a:r>
+              <a:rPr lang="en-CA" sz="2400" dirty="0"/>
+              <a:t>Determine the velocity of the student</a:t>
+            </a:r>
+            <a:endParaRPr lang="en-CA" sz="2400" dirty="0" smtClean="0"/>
+          </a:p>
+        </p:txBody>
+      </p:sp>
+    </p:spTree>
+    <p:extLst>
+      <p:ext uri="{BB962C8B-B14F-4D97-AF65-F5344CB8AC3E}">
+        <p14:creationId xmlns:p14="http://schemas.microsoft.com/office/powerpoint/2010/main" val="2379908736"/>
+      </p:ext>
+    </p:extLst>
+  </p:cSld>
+  <p:clrMapOvr>
+    <a:masterClrMapping/>
+  </p:clrMapOvr>
+  <p:timing>
+    <p:tnLst>
+      <p:par>
+        <p:cTn id="1" dur="indefinite" restart="never" nodeType="tmRoot"/>
+      </p:par>
+    </p:tnLst>
+  </p:timing>
+</p:sld>
+</file>
+
 <file path=ppt/slides/slide9.xml><?xml version="1.0" encoding="utf-8"?>
 <p:sld xmlns:a="http://schemas.openxmlformats.org/drawingml/2006/main" xmlns:r="http://schemas.openxmlformats.org/officeDocument/2006/relationships" xmlns:p="http://schemas.openxmlformats.org/presentationml/2006/main">
   <p:cSld>
@@ -7481,57 +7874,59 @@
         </p:nvSpPr>
         <p:spPr/>
         <p:txBody>
-          <a:bodyPr/>
-          <a:lstStyle/>
-          <a:p>
-            <a:r>
-              <a:rPr lang="en-CA" dirty="0" smtClean="0"/>
-              <a:t>Sum of Displacements (Ex #1)</a:t>
-            </a:r>
-            <a:endParaRPr lang="en-US" dirty="0"/>
-          </a:p>
-        </p:txBody>
-      </p:sp>
-      <p:sp>
-        <p:nvSpPr>
-          <p:cNvPr id="3" name="Content Placeholder 2"/>
-          <p:cNvSpPr>
-            <a:spLocks noGrp="1"/>
-          </p:cNvSpPr>
-          <p:nvPr>
-            <p:ph idx="1"/>
-          </p:nvPr>
-        </p:nvSpPr>
-        <p:spPr/>
-        <p:txBody>
           <a:bodyPr>
-            <a:normAutofit lnSpcReduction="10000"/>
+            <a:normAutofit fontScale="90000"/>
           </a:bodyPr>
           <a:lstStyle/>
           <a:p>
+            <a:r>
+              <a:rPr lang="en-CA" dirty="0"/>
+              <a:t>Change of Position or</a:t>
+            </a:r>
+            <a:br>
+              <a:rPr lang="en-CA" dirty="0"/>
+            </a:br>
+            <a:r>
+              <a:rPr lang="en-CA" dirty="0"/>
+              <a:t>Sum of Displacements </a:t>
+            </a:r>
+            <a:endParaRPr lang="en-US" dirty="0"/>
+          </a:p>
+        </p:txBody>
+      </p:sp>
+      <p:sp>
+        <p:nvSpPr>
+          <p:cNvPr id="3" name="Content Placeholder 2"/>
+          <p:cNvSpPr>
+            <a:spLocks noGrp="1"/>
+          </p:cNvSpPr>
+          <p:nvPr>
+            <p:ph idx="1"/>
+          </p:nvPr>
+        </p:nvSpPr>
+        <p:spPr/>
+        <p:txBody>
+          <a:bodyPr>
+            <a:normAutofit fontScale="92500" lnSpcReduction="10000"/>
+          </a:bodyPr>
+          <a:lstStyle/>
+          <a:p>
             <a:pPr marL="514350" indent="-514350">
               <a:buFont typeface="+mj-lt"/>
-              <a:buAutoNum type="arabicPeriod"/>
+              <a:buAutoNum type="arabicPeriod" startAt="3"/>
             </a:pPr>
             <a:r>
               <a:rPr lang="en-CA" sz="2800" dirty="0" smtClean="0"/>
-              <a:t>Starting at the origin a student first moves a distance of 10 m [East], then moves a distance of </a:t>
-            </a:r>
-            <a:br>
-              <a:rPr lang="en-CA" sz="2800" dirty="0" smtClean="0"/>
-            </a:br>
-            <a:r>
-              <a:rPr lang="en-CA" sz="2800" dirty="0" smtClean="0"/>
-              <a:t>30 m [East], and finally moves a distance of </a:t>
-            </a:r>
-            <a:br>
-              <a:rPr lang="en-CA" sz="2800" dirty="0" smtClean="0"/>
-            </a:br>
-            <a:r>
-              <a:rPr lang="en-CA" sz="2800" dirty="0" smtClean="0"/>
-              <a:t>10 m [West]. The student completes this motion in a time of 4 seconds.</a:t>
+              <a:t>A student starts at a position of 30 m [West] and finishes at a position of 10 m [East]. The student completes this motion in a time of 5 seconds.</a:t>
             </a:r>
             <a:endParaRPr lang="en-US" sz="2800" dirty="0" smtClean="0"/>
+          </a:p>
+          <a:p>
+            <a:pPr marL="1314450" lvl="2" indent="-514350">
+              <a:buFont typeface="+mj-lt"/>
+              <a:buAutoNum type="alphaLcParenR"/>
+            </a:pPr>
+            <a:endParaRPr lang="en-US" sz="2000" dirty="0"/>
           </a:p>
           <a:p>
             <a:pPr marL="914400" lvl="1" indent="-514350">
@@ -7539,9 +7934,27 @@
               <a:buAutoNum type="alphaLcParenR"/>
             </a:pPr>
             <a:r>
-              <a:rPr lang="en-CA" sz="2400" dirty="0" smtClean="0"/>
-              <a:t>Draw a diagram showing the student’s starting position, ending position, and displacement.</a:t>
-            </a:r>
+              <a:rPr lang="en-CA" sz="2400" dirty="0"/>
+              <a:t>Determine if this problem should be solved by:</a:t>
+            </a:r>
+          </a:p>
+          <a:p>
+            <a:pPr marL="1314450" lvl="2" indent="-514350"/>
+            <a:r>
+              <a:rPr lang="en-CA" sz="2000" dirty="0"/>
+              <a:t>Change of Position Method</a:t>
+            </a:r>
+          </a:p>
+          <a:p>
+            <a:pPr marL="1314450" lvl="2" indent="-514350"/>
+            <a:r>
+              <a:rPr lang="en-CA" sz="2000" dirty="0"/>
+              <a:t>Sum of Displacements Method</a:t>
+            </a:r>
+            <a:br>
+              <a:rPr lang="en-CA" sz="2000" dirty="0"/>
+            </a:br>
+            <a:endParaRPr lang="en-CA" sz="2000" dirty="0"/>
           </a:p>
           <a:p>
             <a:pPr marL="914400" lvl="1" indent="-514350">
@@ -7549,7 +7962,7 @@
               <a:buAutoNum type="alphaLcParenR"/>
             </a:pPr>
             <a:r>
-              <a:rPr lang="en-CA" sz="2400" dirty="0" smtClean="0"/>
+              <a:rPr lang="en-CA" sz="2400" dirty="0"/>
               <a:t>Determine the distance moved</a:t>
             </a:r>
           </a:p>
@@ -7559,7 +7972,7 @@
               <a:buAutoNum type="alphaLcParenR"/>
             </a:pPr>
             <a:r>
-              <a:rPr lang="en-CA" sz="2400" dirty="0" smtClean="0"/>
+              <a:rPr lang="en-CA" sz="2400" dirty="0"/>
               <a:t>Determine the student’s displacement</a:t>
             </a:r>
           </a:p>
@@ -7569,7 +7982,7 @@
               <a:buAutoNum type="alphaLcParenR"/>
             </a:pPr>
             <a:r>
-              <a:rPr lang="en-CA" sz="2400" dirty="0" smtClean="0"/>
+              <a:rPr lang="en-CA" sz="2400" dirty="0"/>
               <a:t>Determine the average speed of the student</a:t>
             </a:r>
           </a:p>
@@ -7580,25 +7993,8 @@
             </a:pPr>
             <a:r>
               <a:rPr lang="en-CA" sz="2400" dirty="0"/>
-              <a:t>Determine the </a:t>
-            </a:r>
-            <a:r>
-              <a:rPr lang="en-CA" sz="2400" dirty="0" smtClean="0"/>
-              <a:t>velocity of </a:t>
-            </a:r>
-            <a:r>
-              <a:rPr lang="en-CA" sz="2400" dirty="0"/>
-              <a:t>the </a:t>
-            </a:r>
-            <a:r>
-              <a:rPr lang="en-CA" sz="2400" dirty="0" smtClean="0"/>
-              <a:t>student</a:t>
-            </a:r>
-          </a:p>
-          <a:p>
-            <a:pPr marL="400050" lvl="1" indent="0">
-              <a:buNone/>
-            </a:pPr>
+              <a:t>Determine the velocity of the student</a:t>
+            </a:r>
             <a:endParaRPr lang="en-CA" sz="2400" dirty="0" smtClean="0"/>
           </a:p>
         </p:txBody>
@@ -7606,7 +8002,7 @@
     </p:spTree>
     <p:extLst>
       <p:ext uri="{BB962C8B-B14F-4D97-AF65-F5344CB8AC3E}">
-        <p14:creationId xmlns:p14="http://schemas.microsoft.com/office/powerpoint/2010/main" val="334059574"/>
+        <p14:creationId xmlns:p14="http://schemas.microsoft.com/office/powerpoint/2010/main" val="1955060974"/>
       </p:ext>
     </p:extLst>
   </p:cSld>
